--- a/0 발표용 파워포인트/0529 4차발표/0529 project06 - 파워포인트 종합.pptx
+++ b/0 발표용 파워포인트/0529 4차발표/0529 project06 - 파워포인트 종합.pptx
@@ -5,7 +5,7 @@
     <p:sldMasterId id="2147483658" r:id="rId1"/>
   </p:sldMasterIdLst>
   <p:notesMasterIdLst>
-    <p:notesMasterId r:id="rId25"/>
+    <p:notesMasterId r:id="rId24"/>
   </p:notesMasterIdLst>
   <p:sldIdLst>
     <p:sldId id="301" r:id="rId2"/>
@@ -24,47 +24,41 @@
     <p:sldId id="488" r:id="rId15"/>
     <p:sldId id="489" r:id="rId16"/>
     <p:sldId id="287" r:id="rId17"/>
-    <p:sldId id="528" r:id="rId18"/>
-    <p:sldId id="367" r:id="rId19"/>
-    <p:sldId id="377" r:id="rId20"/>
-    <p:sldId id="319" r:id="rId21"/>
-    <p:sldId id="321" r:id="rId22"/>
-    <p:sldId id="316" r:id="rId23"/>
-    <p:sldId id="379" r:id="rId24"/>
+    <p:sldId id="367" r:id="rId18"/>
+    <p:sldId id="377" r:id="rId19"/>
+    <p:sldId id="319" r:id="rId20"/>
+    <p:sldId id="321" r:id="rId21"/>
+    <p:sldId id="316" r:id="rId22"/>
+    <p:sldId id="379" r:id="rId23"/>
   </p:sldIdLst>
   <p:sldSz cx="9144000" cy="5143500" type="screen16x9"/>
   <p:notesSz cx="6858000" cy="9144000"/>
   <p:embeddedFontLst>
     <p:embeddedFont>
       <p:font typeface="KoPub돋움체 Bold" charset="-127"/>
-      <p:bold r:id="rId26"/>
+      <p:bold r:id="rId25"/>
     </p:embeddedFont>
     <p:embeddedFont>
       <p:font typeface="Montserrat" charset="0"/>
-      <p:regular r:id="rId27"/>
-      <p:bold r:id="rId28"/>
-      <p:italic r:id="rId29"/>
-      <p:boldItalic r:id="rId30"/>
-    </p:embeddedFont>
-    <p:embeddedFont>
-      <p:font typeface="나눔고딕" pitchFamily="50" charset="-127"/>
-      <p:regular r:id="rId31"/>
-      <p:bold r:id="rId32"/>
+      <p:regular r:id="rId26"/>
+      <p:bold r:id="rId27"/>
+      <p:italic r:id="rId28"/>
+      <p:boldItalic r:id="rId29"/>
     </p:embeddedFont>
     <p:embeddedFont>
       <p:font typeface="Microsoft New Tai Lue" pitchFamily="34" charset="0"/>
-      <p:regular r:id="rId33"/>
-      <p:bold r:id="rId34"/>
+      <p:regular r:id="rId30"/>
+      <p:bold r:id="rId31"/>
     </p:embeddedFont>
     <p:embeddedFont>
       <p:font typeface="맑은 고딕" pitchFamily="50" charset="-127"/>
-      <p:regular r:id="rId35"/>
-      <p:bold r:id="rId36"/>
+      <p:regular r:id="rId32"/>
+      <p:bold r:id="rId33"/>
     </p:embeddedFont>
     <p:embeddedFont>
       <p:font typeface="나눔바른고딕" pitchFamily="50" charset="-127"/>
-      <p:regular r:id="rId37"/>
-      <p:bold r:id="rId38"/>
+      <p:regular r:id="rId34"/>
+      <p:bold r:id="rId35"/>
     </p:embeddedFont>
   </p:embeddedFontLst>
   <p:defaultTextStyle>
@@ -298,7 +292,7 @@
   </p:defaultTextStyle>
   <p:extLst>
     <p:ext uri="{EFAFB233-063F-42B5-8137-9DF3F51BA10A}">
-      <p15:sldGuideLst xmlns:p15="http://schemas.microsoft.com/office/powerpoint/2012/main" xmlns="">
+      <p15:sldGuideLst xmlns="" xmlns:p15="http://schemas.microsoft.com/office/powerpoint/2012/main">
         <p15:guide id="1" orient="horz" pos="1620">
           <p15:clr>
             <a:srgbClr val="A4A3A4"/>
@@ -312,7 +306,7 @@
       </p15:sldGuideLst>
     </p:ext>
     <p:ext uri="{2D200454-40CA-4A62-9FC3-DE9A4176ACB9}">
-      <p15:notesGuideLst xmlns:p15="http://schemas.microsoft.com/office/powerpoint/2012/main" xmlns="">
+      <p15:notesGuideLst xmlns="" xmlns:p15="http://schemas.microsoft.com/office/powerpoint/2012/main">
         <p15:guide id="1" orient="horz" pos="2880">
           <p15:clr>
             <a:srgbClr val="A4A3A4"/>
@@ -2309,7 +2303,7 @@
           <p:cNvPr id="2" name="제목 1">
             <a:extLst>
               <a:ext uri="{FF2B5EF4-FFF2-40B4-BE49-F238E27FC236}">
-                <a16:creationId xmlns:a16="http://schemas.microsoft.com/office/drawing/2014/main" xmlns="" id="{BC4B5A23-C81F-4AF5-A748-1D1EE93505F9}"/>
+                <a16:creationId xmlns="" xmlns:a16="http://schemas.microsoft.com/office/drawing/2014/main" id="{BC4B5A23-C81F-4AF5-A748-1D1EE93505F9}"/>
               </a:ext>
             </a:extLst>
           </p:cNvPr>
@@ -2346,7 +2340,7 @@
           <p:cNvPr id="3" name="부제목 2">
             <a:extLst>
               <a:ext uri="{FF2B5EF4-FFF2-40B4-BE49-F238E27FC236}">
-                <a16:creationId xmlns:a16="http://schemas.microsoft.com/office/drawing/2014/main" xmlns="" id="{26F8B85E-9692-4475-9B5C-3E3DB5D88828}"/>
+                <a16:creationId xmlns="" xmlns:a16="http://schemas.microsoft.com/office/drawing/2014/main" id="{26F8B85E-9692-4475-9B5C-3E3DB5D88828}"/>
               </a:ext>
             </a:extLst>
           </p:cNvPr>
@@ -2416,7 +2410,7 @@
           <p:cNvPr id="4" name="날짜 개체 틀 3">
             <a:extLst>
               <a:ext uri="{FF2B5EF4-FFF2-40B4-BE49-F238E27FC236}">
-                <a16:creationId xmlns:a16="http://schemas.microsoft.com/office/drawing/2014/main" xmlns="" id="{BC005B73-604A-4AB5-8137-DDC71FB7678B}"/>
+                <a16:creationId xmlns="" xmlns:a16="http://schemas.microsoft.com/office/drawing/2014/main" id="{BC005B73-604A-4AB5-8137-DDC71FB7678B}"/>
               </a:ext>
             </a:extLst>
           </p:cNvPr>
@@ -2449,7 +2443,7 @@
                 </a:solidFill>
               </a:rPr>
               <a:pPr/>
-              <a:t>2020-05-26</a:t>
+              <a:t>2020-05-28</a:t>
             </a:fld>
             <a:endParaRPr lang="ko-KR" altLang="en-US">
               <a:solidFill>
@@ -2466,7 +2460,7 @@
           <p:cNvPr id="5" name="바닥글 개체 틀 4">
             <a:extLst>
               <a:ext uri="{FF2B5EF4-FFF2-40B4-BE49-F238E27FC236}">
-                <a16:creationId xmlns:a16="http://schemas.microsoft.com/office/drawing/2014/main" xmlns="" id="{D657B5ED-EDEA-4726-A63A-ABCD88DDA24F}"/>
+                <a16:creationId xmlns="" xmlns:a16="http://schemas.microsoft.com/office/drawing/2014/main" id="{D657B5ED-EDEA-4726-A63A-ABCD88DDA24F}"/>
               </a:ext>
             </a:extLst>
           </p:cNvPr>
@@ -2505,7 +2499,7 @@
           <p:cNvPr id="6" name="슬라이드 번호 개체 틀 5">
             <a:extLst>
               <a:ext uri="{FF2B5EF4-FFF2-40B4-BE49-F238E27FC236}">
-                <a16:creationId xmlns:a16="http://schemas.microsoft.com/office/drawing/2014/main" xmlns="" id="{EE561B83-F1A6-46DA-BD34-3B375CB3487C}"/>
+                <a16:creationId xmlns="" xmlns:a16="http://schemas.microsoft.com/office/drawing/2014/main" id="{EE561B83-F1A6-46DA-BD34-3B375CB3487C}"/>
               </a:ext>
             </a:extLst>
           </p:cNvPr>
@@ -2670,7 +2664,7 @@
           <a:p>
             <a:fld id="{C7351A05-FE79-4763-A84F-D4FE701A9E82}" type="datetimeFigureOut">
               <a:rPr lang="ko-KR" altLang="en-US" smtClean="0"/>
-              <a:t>2020-05-26</a:t>
+              <a:t>2020-05-28</a:t>
             </a:fld>
             <a:endParaRPr lang="ko-KR" altLang="en-US"/>
           </a:p>
@@ -4725,7 +4719,7 @@
           <p:cNvPr id="28" name="그룹 27">
             <a:extLst>
               <a:ext uri="{FF2B5EF4-FFF2-40B4-BE49-F238E27FC236}">
-                <a16:creationId xmlns:a16="http://schemas.microsoft.com/office/drawing/2014/main" xmlns="" id="{93ED6B66-45E2-4F28-BD4E-9A683E3FCF6D}"/>
+                <a16:creationId xmlns="" xmlns:a16="http://schemas.microsoft.com/office/drawing/2014/main" id="{93ED6B66-45E2-4F28-BD4E-9A683E3FCF6D}"/>
               </a:ext>
             </a:extLst>
           </p:cNvPr>
@@ -4752,7 +4746,7 @@
             <p:cNvPr id="29" name="Freeform 37">
               <a:extLst>
                 <a:ext uri="{FF2B5EF4-FFF2-40B4-BE49-F238E27FC236}">
-                  <a16:creationId xmlns:a16="http://schemas.microsoft.com/office/drawing/2014/main" xmlns="" id="{ADEA0806-DE38-475A-BD55-F8D173EB52A5}"/>
+                  <a16:creationId xmlns="" xmlns:a16="http://schemas.microsoft.com/office/drawing/2014/main" id="{ADEA0806-DE38-475A-BD55-F8D173EB52A5}"/>
                 </a:ext>
               </a:extLst>
             </p:cNvPr>
@@ -5337,7 +5331,7 @@
             <p:cNvPr id="30" name="Freeform 38">
               <a:extLst>
                 <a:ext uri="{FF2B5EF4-FFF2-40B4-BE49-F238E27FC236}">
-                  <a16:creationId xmlns:a16="http://schemas.microsoft.com/office/drawing/2014/main" xmlns="" id="{D13F76C6-5E5B-4424-A081-09B1E62D8939}"/>
+                  <a16:creationId xmlns="" xmlns:a16="http://schemas.microsoft.com/office/drawing/2014/main" id="{D13F76C6-5E5B-4424-A081-09B1E62D8939}"/>
                 </a:ext>
               </a:extLst>
             </p:cNvPr>
@@ -5891,7 +5885,7 @@
             <p:cNvPr id="31" name="Freeform 39">
               <a:extLst>
                 <a:ext uri="{FF2B5EF4-FFF2-40B4-BE49-F238E27FC236}">
-                  <a16:creationId xmlns:a16="http://schemas.microsoft.com/office/drawing/2014/main" xmlns="" id="{8AA3F8FD-3833-44C4-84F6-6C15FA66A33B}"/>
+                  <a16:creationId xmlns="" xmlns:a16="http://schemas.microsoft.com/office/drawing/2014/main" id="{8AA3F8FD-3833-44C4-84F6-6C15FA66A33B}"/>
                 </a:ext>
               </a:extLst>
             </p:cNvPr>
@@ -6379,7 +6373,7 @@
             <p:cNvPr id="32" name="Freeform 40">
               <a:extLst>
                 <a:ext uri="{FF2B5EF4-FFF2-40B4-BE49-F238E27FC236}">
-                  <a16:creationId xmlns:a16="http://schemas.microsoft.com/office/drawing/2014/main" xmlns="" id="{82A8B903-85D9-4AC8-B553-A53FF1528DD6}"/>
+                  <a16:creationId xmlns="" xmlns:a16="http://schemas.microsoft.com/office/drawing/2014/main" id="{82A8B903-85D9-4AC8-B553-A53FF1528DD6}"/>
                 </a:ext>
               </a:extLst>
             </p:cNvPr>
@@ -6691,7 +6685,7 @@
             <p:cNvPr id="33" name="Freeform 41">
               <a:extLst>
                 <a:ext uri="{FF2B5EF4-FFF2-40B4-BE49-F238E27FC236}">
-                  <a16:creationId xmlns:a16="http://schemas.microsoft.com/office/drawing/2014/main" xmlns="" id="{23150D66-8A0D-4D47-BDFD-CEC8C82F95CB}"/>
+                  <a16:creationId xmlns="" xmlns:a16="http://schemas.microsoft.com/office/drawing/2014/main" id="{23150D66-8A0D-4D47-BDFD-CEC8C82F95CB}"/>
                 </a:ext>
               </a:extLst>
             </p:cNvPr>
@@ -7300,7 +7294,7 @@
             <p:cNvPr id="34" name="Freeform 51">
               <a:extLst>
                 <a:ext uri="{FF2B5EF4-FFF2-40B4-BE49-F238E27FC236}">
-                  <a16:creationId xmlns:a16="http://schemas.microsoft.com/office/drawing/2014/main" xmlns="" id="{D1395DDB-4798-4901-96C1-6E8A0C25E5BB}"/>
+                  <a16:creationId xmlns="" xmlns:a16="http://schemas.microsoft.com/office/drawing/2014/main" id="{D1395DDB-4798-4901-96C1-6E8A0C25E5BB}"/>
                 </a:ext>
               </a:extLst>
             </p:cNvPr>
@@ -7796,7 +7790,7 @@
             <p:cNvPr id="35" name="Freeform 52">
               <a:extLst>
                 <a:ext uri="{FF2B5EF4-FFF2-40B4-BE49-F238E27FC236}">
-                  <a16:creationId xmlns:a16="http://schemas.microsoft.com/office/drawing/2014/main" xmlns="" id="{3FFE6A3B-C3E4-4B4C-A5AF-30A6ED7A63F0}"/>
+                  <a16:creationId xmlns="" xmlns:a16="http://schemas.microsoft.com/office/drawing/2014/main" id="{3FFE6A3B-C3E4-4B4C-A5AF-30A6ED7A63F0}"/>
                 </a:ext>
               </a:extLst>
             </p:cNvPr>
@@ -7904,7 +7898,7 @@
             <p:cNvPr id="36" name="Freeform 53">
               <a:extLst>
                 <a:ext uri="{FF2B5EF4-FFF2-40B4-BE49-F238E27FC236}">
-                  <a16:creationId xmlns:a16="http://schemas.microsoft.com/office/drawing/2014/main" xmlns="" id="{02E90574-0A63-4622-B924-3593D481085C}"/>
+                  <a16:creationId xmlns="" xmlns:a16="http://schemas.microsoft.com/office/drawing/2014/main" id="{02E90574-0A63-4622-B924-3593D481085C}"/>
                 </a:ext>
               </a:extLst>
             </p:cNvPr>
@@ -7961,7 +7955,7 @@
             <p:cNvPr id="37" name="Freeform 54">
               <a:extLst>
                 <a:ext uri="{FF2B5EF4-FFF2-40B4-BE49-F238E27FC236}">
-                  <a16:creationId xmlns:a16="http://schemas.microsoft.com/office/drawing/2014/main" xmlns="" id="{EF4B07AC-CF9B-451A-A3AF-0F38C9A9E8FD}"/>
+                  <a16:creationId xmlns="" xmlns:a16="http://schemas.microsoft.com/office/drawing/2014/main" id="{EF4B07AC-CF9B-451A-A3AF-0F38C9A9E8FD}"/>
                 </a:ext>
               </a:extLst>
             </p:cNvPr>
@@ -8329,7 +8323,7 @@
           <p:cNvPr id="11" name="Freeform 6">
             <a:extLst>
               <a:ext uri="{FF2B5EF4-FFF2-40B4-BE49-F238E27FC236}">
-                <a16:creationId xmlns:a16="http://schemas.microsoft.com/office/drawing/2014/main" xmlns="" id="{35433E1F-1BF4-44C0-B509-EB1742FF1405}"/>
+                <a16:creationId xmlns="" xmlns:a16="http://schemas.microsoft.com/office/drawing/2014/main" id="{35433E1F-1BF4-44C0-B509-EB1742FF1405}"/>
               </a:ext>
             </a:extLst>
           </p:cNvPr>
@@ -8728,7 +8722,7 @@
           <p:cNvPr id="13" name="Freeform 8">
             <a:extLst>
               <a:ext uri="{FF2B5EF4-FFF2-40B4-BE49-F238E27FC236}">
-                <a16:creationId xmlns:a16="http://schemas.microsoft.com/office/drawing/2014/main" xmlns="" id="{19190BD7-A4C5-49EB-A60F-06D7B1F74A20}"/>
+                <a16:creationId xmlns="" xmlns:a16="http://schemas.microsoft.com/office/drawing/2014/main" id="{19190BD7-A4C5-49EB-A60F-06D7B1F74A20}"/>
               </a:ext>
             </a:extLst>
           </p:cNvPr>
@@ -9396,7 +9390,7 @@
           <p:cNvPr id="18" name="사각형: 둥근 위쪽 모서리 17">
             <a:extLst>
               <a:ext uri="{FF2B5EF4-FFF2-40B4-BE49-F238E27FC236}">
-                <a16:creationId xmlns:a16="http://schemas.microsoft.com/office/drawing/2014/main" xmlns="" id="{BDEA6046-5656-4E1F-B418-5AD4F1F65CD1}"/>
+                <a16:creationId xmlns="" xmlns:a16="http://schemas.microsoft.com/office/drawing/2014/main" id="{BDEA6046-5656-4E1F-B418-5AD4F1F65CD1}"/>
               </a:ext>
             </a:extLst>
           </p:cNvPr>
@@ -9457,7 +9451,7 @@
           <p:cNvPr id="12" name="사각형: 둥근 위쪽 모서리 11">
             <a:extLst>
               <a:ext uri="{FF2B5EF4-FFF2-40B4-BE49-F238E27FC236}">
-                <a16:creationId xmlns:a16="http://schemas.microsoft.com/office/drawing/2014/main" xmlns="" id="{75627340-CA4C-4FDF-AC15-1D3AE4A4C536}"/>
+                <a16:creationId xmlns="" xmlns:a16="http://schemas.microsoft.com/office/drawing/2014/main" id="{75627340-CA4C-4FDF-AC15-1D3AE4A4C536}"/>
               </a:ext>
             </a:extLst>
           </p:cNvPr>
@@ -9518,7 +9512,7 @@
           <p:cNvPr id="14" name="사각형: 둥근 위쪽 모서리 13">
             <a:extLst>
               <a:ext uri="{FF2B5EF4-FFF2-40B4-BE49-F238E27FC236}">
-                <a16:creationId xmlns:a16="http://schemas.microsoft.com/office/drawing/2014/main" xmlns="" id="{FBB8B854-0C91-4123-8602-729BD5DB54ED}"/>
+                <a16:creationId xmlns="" xmlns:a16="http://schemas.microsoft.com/office/drawing/2014/main" id="{FBB8B854-0C91-4123-8602-729BD5DB54ED}"/>
               </a:ext>
             </a:extLst>
           </p:cNvPr>
@@ -9579,7 +9573,7 @@
           <p:cNvPr id="15" name="사각형: 둥근 위쪽 모서리 14">
             <a:extLst>
               <a:ext uri="{FF2B5EF4-FFF2-40B4-BE49-F238E27FC236}">
-                <a16:creationId xmlns:a16="http://schemas.microsoft.com/office/drawing/2014/main" xmlns="" id="{167316CA-8CC3-403B-8C11-60B19A432E91}"/>
+                <a16:creationId xmlns="" xmlns:a16="http://schemas.microsoft.com/office/drawing/2014/main" id="{167316CA-8CC3-403B-8C11-60B19A432E91}"/>
               </a:ext>
             </a:extLst>
           </p:cNvPr>
@@ -9640,7 +9634,7 @@
           <p:cNvPr id="6" name="자유형: 도형 5">
             <a:extLst>
               <a:ext uri="{FF2B5EF4-FFF2-40B4-BE49-F238E27FC236}">
-                <a16:creationId xmlns:a16="http://schemas.microsoft.com/office/drawing/2014/main" xmlns="" id="{01D0019B-4C1B-4151-B5F9-B30DF72D2F9C}"/>
+                <a16:creationId xmlns="" xmlns:a16="http://schemas.microsoft.com/office/drawing/2014/main" id="{01D0019B-4C1B-4151-B5F9-B30DF72D2F9C}"/>
               </a:ext>
             </a:extLst>
           </p:cNvPr>
@@ -9794,7 +9788,7 @@
           <p:cNvPr id="27" name="직사각형 26">
             <a:extLst>
               <a:ext uri="{FF2B5EF4-FFF2-40B4-BE49-F238E27FC236}">
-                <a16:creationId xmlns:a16="http://schemas.microsoft.com/office/drawing/2014/main" xmlns="" id="{C7A07ABD-FE64-47B7-8F0D-7531598644C5}"/>
+                <a16:creationId xmlns="" xmlns:a16="http://schemas.microsoft.com/office/drawing/2014/main" id="{C7A07ABD-FE64-47B7-8F0D-7531598644C5}"/>
               </a:ext>
             </a:extLst>
           </p:cNvPr>
@@ -9873,7 +9867,7 @@
           <p:cNvPr id="9" name="직선 연결선 8">
             <a:extLst>
               <a:ext uri="{FF2B5EF4-FFF2-40B4-BE49-F238E27FC236}">
-                <a16:creationId xmlns:a16="http://schemas.microsoft.com/office/drawing/2014/main" xmlns="" id="{ADD6F06E-82C7-4691-81A5-6FCAAE8DF971}"/>
+                <a16:creationId xmlns="" xmlns:a16="http://schemas.microsoft.com/office/drawing/2014/main" id="{ADD6F06E-82C7-4691-81A5-6FCAAE8DF971}"/>
               </a:ext>
             </a:extLst>
           </p:cNvPr>
@@ -9917,7 +9911,7 @@
           <p:cNvPr id="38" name="그룹 37">
             <a:extLst>
               <a:ext uri="{FF2B5EF4-FFF2-40B4-BE49-F238E27FC236}">
-                <a16:creationId xmlns:a16="http://schemas.microsoft.com/office/drawing/2014/main" xmlns="" id="{2C2E7834-32AF-460A-AC90-7CBE17CCC694}"/>
+                <a16:creationId xmlns="" xmlns:a16="http://schemas.microsoft.com/office/drawing/2014/main" id="{2C2E7834-32AF-460A-AC90-7CBE17CCC694}"/>
               </a:ext>
             </a:extLst>
           </p:cNvPr>
@@ -9937,7 +9931,7 @@
             <p:cNvPr id="39" name="자유형 65">
               <a:extLst>
                 <a:ext uri="{FF2B5EF4-FFF2-40B4-BE49-F238E27FC236}">
-                  <a16:creationId xmlns:a16="http://schemas.microsoft.com/office/drawing/2014/main" xmlns="" id="{3C6B5641-9309-4B54-BE3F-E1640860354C}"/>
+                  <a16:creationId xmlns="" xmlns:a16="http://schemas.microsoft.com/office/drawing/2014/main" id="{3C6B5641-9309-4B54-BE3F-E1640860354C}"/>
                 </a:ext>
               </a:extLst>
             </p:cNvPr>
@@ -10178,7 +10172,7 @@
             <p:cNvPr id="40" name="자유형 66">
               <a:extLst>
                 <a:ext uri="{FF2B5EF4-FFF2-40B4-BE49-F238E27FC236}">
-                  <a16:creationId xmlns:a16="http://schemas.microsoft.com/office/drawing/2014/main" xmlns="" id="{C39EC402-9800-4866-9F84-6E9C068471CD}"/>
+                  <a16:creationId xmlns="" xmlns:a16="http://schemas.microsoft.com/office/drawing/2014/main" id="{C39EC402-9800-4866-9F84-6E9C068471CD}"/>
                 </a:ext>
               </a:extLst>
             </p:cNvPr>
@@ -10356,7 +10350,7 @@
           <p:cNvPr id="44" name="Freeform 8">
             <a:extLst>
               <a:ext uri="{FF2B5EF4-FFF2-40B4-BE49-F238E27FC236}">
-                <a16:creationId xmlns:a16="http://schemas.microsoft.com/office/drawing/2014/main" xmlns="" id="{D86CAE7F-6907-4E6F-B42C-12470D4C17BF}"/>
+                <a16:creationId xmlns="" xmlns:a16="http://schemas.microsoft.com/office/drawing/2014/main" id="{D86CAE7F-6907-4E6F-B42C-12470D4C17BF}"/>
               </a:ext>
             </a:extLst>
           </p:cNvPr>
@@ -12288,7 +12282,7 @@
           <p:cNvPr id="17" name="Google Shape;102;p13">
             <a:extLst>
               <a:ext uri="{FF2B5EF4-FFF2-40B4-BE49-F238E27FC236}">
-                <a16:creationId xmlns:a16="http://schemas.microsoft.com/office/drawing/2014/main" xmlns="" id="{D4EAD755-BB98-41D1-9C16-8CC51AD0D492}"/>
+                <a16:creationId xmlns="" xmlns:a16="http://schemas.microsoft.com/office/drawing/2014/main" id="{D4EAD755-BB98-41D1-9C16-8CC51AD0D492}"/>
               </a:ext>
             </a:extLst>
           </p:cNvPr>
@@ -12342,7 +12336,7 @@
           <p:cNvPr id="18" name="Google Shape;102;p13">
             <a:extLst>
               <a:ext uri="{FF2B5EF4-FFF2-40B4-BE49-F238E27FC236}">
-                <a16:creationId xmlns:a16="http://schemas.microsoft.com/office/drawing/2014/main" xmlns="" id="{85AB7D6F-8B57-4DEC-9E37-3F7B85052802}"/>
+                <a16:creationId xmlns="" xmlns:a16="http://schemas.microsoft.com/office/drawing/2014/main" id="{85AB7D6F-8B57-4DEC-9E37-3F7B85052802}"/>
               </a:ext>
             </a:extLst>
           </p:cNvPr>
@@ -12396,7 +12390,7 @@
           <p:cNvPr id="19" name="직선 화살표 연결선 18">
             <a:extLst>
               <a:ext uri="{FF2B5EF4-FFF2-40B4-BE49-F238E27FC236}">
-                <a16:creationId xmlns:a16="http://schemas.microsoft.com/office/drawing/2014/main" xmlns="" id="{772C3FB8-3FDC-4065-966D-CC2A9530C386}"/>
+                <a16:creationId xmlns="" xmlns:a16="http://schemas.microsoft.com/office/drawing/2014/main" id="{772C3FB8-3FDC-4065-966D-CC2A9530C386}"/>
               </a:ext>
             </a:extLst>
           </p:cNvPr>
@@ -12438,7 +12432,7 @@
           <p:cNvPr id="20" name="직선 화살표 연결선 19">
             <a:extLst>
               <a:ext uri="{FF2B5EF4-FFF2-40B4-BE49-F238E27FC236}">
-                <a16:creationId xmlns:a16="http://schemas.microsoft.com/office/drawing/2014/main" xmlns="" id="{9BAA9AE0-8263-4AD7-8D96-4564D0DF4032}"/>
+                <a16:creationId xmlns="" xmlns:a16="http://schemas.microsoft.com/office/drawing/2014/main" id="{9BAA9AE0-8263-4AD7-8D96-4564D0DF4032}"/>
               </a:ext>
             </a:extLst>
           </p:cNvPr>
@@ -12480,7 +12474,7 @@
           <p:cNvPr id="21" name="Google Shape;102;p13">
             <a:extLst>
               <a:ext uri="{FF2B5EF4-FFF2-40B4-BE49-F238E27FC236}">
-                <a16:creationId xmlns:a16="http://schemas.microsoft.com/office/drawing/2014/main" xmlns="" id="{66D0C005-DEF3-48FD-A074-0C0ABD142A2A}"/>
+                <a16:creationId xmlns="" xmlns:a16="http://schemas.microsoft.com/office/drawing/2014/main" id="{66D0C005-DEF3-48FD-A074-0C0ABD142A2A}"/>
               </a:ext>
             </a:extLst>
           </p:cNvPr>
@@ -12548,7 +12542,7 @@
           <p:cNvPr id="22" name="Google Shape;102;p13">
             <a:extLst>
               <a:ext uri="{FF2B5EF4-FFF2-40B4-BE49-F238E27FC236}">
-                <a16:creationId xmlns:a16="http://schemas.microsoft.com/office/drawing/2014/main" xmlns="" id="{C704DD7E-8B1F-4B5A-832E-6B178666BEB8}"/>
+                <a16:creationId xmlns="" xmlns:a16="http://schemas.microsoft.com/office/drawing/2014/main" id="{C704DD7E-8B1F-4B5A-832E-6B178666BEB8}"/>
               </a:ext>
             </a:extLst>
           </p:cNvPr>
@@ -12611,7 +12605,7 @@
           <p:cNvPr id="23" name="직선 화살표 연결선 22">
             <a:extLst>
               <a:ext uri="{FF2B5EF4-FFF2-40B4-BE49-F238E27FC236}">
-                <a16:creationId xmlns:a16="http://schemas.microsoft.com/office/drawing/2014/main" xmlns="" id="{CE2FE515-B154-4255-AE81-D1963396C1ED}"/>
+                <a16:creationId xmlns="" xmlns:a16="http://schemas.microsoft.com/office/drawing/2014/main" id="{CE2FE515-B154-4255-AE81-D1963396C1ED}"/>
               </a:ext>
             </a:extLst>
           </p:cNvPr>
@@ -12654,7 +12648,7 @@
           <p:cNvPr id="24" name="직선 화살표 연결선 23">
             <a:extLst>
               <a:ext uri="{FF2B5EF4-FFF2-40B4-BE49-F238E27FC236}">
-                <a16:creationId xmlns:a16="http://schemas.microsoft.com/office/drawing/2014/main" xmlns="" id="{035063CF-0BE5-4174-A7B5-34F632784F0C}"/>
+                <a16:creationId xmlns="" xmlns:a16="http://schemas.microsoft.com/office/drawing/2014/main" id="{035063CF-0BE5-4174-A7B5-34F632784F0C}"/>
               </a:ext>
             </a:extLst>
           </p:cNvPr>
@@ -12697,7 +12691,7 @@
           <p:cNvPr id="25" name="Google Shape;102;p13">
             <a:extLst>
               <a:ext uri="{FF2B5EF4-FFF2-40B4-BE49-F238E27FC236}">
-                <a16:creationId xmlns:a16="http://schemas.microsoft.com/office/drawing/2014/main" xmlns="" id="{C704DD7E-8B1F-4B5A-832E-6B178666BEB8}"/>
+                <a16:creationId xmlns="" xmlns:a16="http://schemas.microsoft.com/office/drawing/2014/main" id="{C704DD7E-8B1F-4B5A-832E-6B178666BEB8}"/>
               </a:ext>
             </a:extLst>
           </p:cNvPr>
@@ -12765,7 +12759,7 @@
           <p:cNvPr id="26" name="Google Shape;102;p13">
             <a:extLst>
               <a:ext uri="{FF2B5EF4-FFF2-40B4-BE49-F238E27FC236}">
-                <a16:creationId xmlns:a16="http://schemas.microsoft.com/office/drawing/2014/main" xmlns="" id="{C704DD7E-8B1F-4B5A-832E-6B178666BEB8}"/>
+                <a16:creationId xmlns="" xmlns:a16="http://schemas.microsoft.com/office/drawing/2014/main" id="{C704DD7E-8B1F-4B5A-832E-6B178666BEB8}"/>
               </a:ext>
             </a:extLst>
           </p:cNvPr>
@@ -12819,7 +12813,7 @@
           <p:cNvPr id="27" name="Google Shape;102;p13">
             <a:extLst>
               <a:ext uri="{FF2B5EF4-FFF2-40B4-BE49-F238E27FC236}">
-                <a16:creationId xmlns:a16="http://schemas.microsoft.com/office/drawing/2014/main" xmlns="" id="{C704DD7E-8B1F-4B5A-832E-6B178666BEB8}"/>
+                <a16:creationId xmlns="" xmlns:a16="http://schemas.microsoft.com/office/drawing/2014/main" id="{C704DD7E-8B1F-4B5A-832E-6B178666BEB8}"/>
               </a:ext>
             </a:extLst>
           </p:cNvPr>
@@ -12921,7 +12915,7 @@
           <p:cNvPr id="30" name="Google Shape;102;p13">
             <a:extLst>
               <a:ext uri="{FF2B5EF4-FFF2-40B4-BE49-F238E27FC236}">
-                <a16:creationId xmlns:a16="http://schemas.microsoft.com/office/drawing/2014/main" xmlns="" id="{C704DD7E-8B1F-4B5A-832E-6B178666BEB8}"/>
+                <a16:creationId xmlns="" xmlns:a16="http://schemas.microsoft.com/office/drawing/2014/main" id="{C704DD7E-8B1F-4B5A-832E-6B178666BEB8}"/>
               </a:ext>
             </a:extLst>
           </p:cNvPr>
@@ -12989,7 +12983,7 @@
           <p:cNvPr id="31" name="Google Shape;102;p13">
             <a:extLst>
               <a:ext uri="{FF2B5EF4-FFF2-40B4-BE49-F238E27FC236}">
-                <a16:creationId xmlns:a16="http://schemas.microsoft.com/office/drawing/2014/main" xmlns="" id="{C704DD7E-8B1F-4B5A-832E-6B178666BEB8}"/>
+                <a16:creationId xmlns="" xmlns:a16="http://schemas.microsoft.com/office/drawing/2014/main" id="{C704DD7E-8B1F-4B5A-832E-6B178666BEB8}"/>
               </a:ext>
             </a:extLst>
           </p:cNvPr>
@@ -13031,10 +13025,6 @@
               </a:rPr>
               <a:t>실시간 채팅 상담</a:t>
             </a:r>
-            <a:endParaRPr lang="ko-KR" altLang="en-US" sz="1200" b="1" dirty="0">
-              <a:latin typeface="+mj-ea"/>
-              <a:ea typeface="+mj-ea"/>
-            </a:endParaRPr>
           </a:p>
         </p:txBody>
       </p:sp>
@@ -13043,7 +13033,7 @@
           <p:cNvPr id="33" name="Google Shape;102;p13">
             <a:extLst>
               <a:ext uri="{FF2B5EF4-FFF2-40B4-BE49-F238E27FC236}">
-                <a16:creationId xmlns:a16="http://schemas.microsoft.com/office/drawing/2014/main" xmlns="" id="{C704DD7E-8B1F-4B5A-832E-6B178666BEB8}"/>
+                <a16:creationId xmlns="" xmlns:a16="http://schemas.microsoft.com/office/drawing/2014/main" id="{C704DD7E-8B1F-4B5A-832E-6B178666BEB8}"/>
               </a:ext>
             </a:extLst>
           </p:cNvPr>
@@ -13104,7 +13094,7 @@
           <p:cNvPr id="34" name="Google Shape;102;p13">
             <a:extLst>
               <a:ext uri="{FF2B5EF4-FFF2-40B4-BE49-F238E27FC236}">
-                <a16:creationId xmlns:a16="http://schemas.microsoft.com/office/drawing/2014/main" xmlns="" id="{66D0C005-DEF3-48FD-A074-0C0ABD142A2A}"/>
+                <a16:creationId xmlns="" xmlns:a16="http://schemas.microsoft.com/office/drawing/2014/main" id="{66D0C005-DEF3-48FD-A074-0C0ABD142A2A}"/>
               </a:ext>
             </a:extLst>
           </p:cNvPr>
@@ -13165,7 +13155,7 @@
           <p:cNvPr id="35" name="Google Shape;102;p13">
             <a:extLst>
               <a:ext uri="{FF2B5EF4-FFF2-40B4-BE49-F238E27FC236}">
-                <a16:creationId xmlns:a16="http://schemas.microsoft.com/office/drawing/2014/main" xmlns="" id="{66D0C005-DEF3-48FD-A074-0C0ABD142A2A}"/>
+                <a16:creationId xmlns="" xmlns:a16="http://schemas.microsoft.com/office/drawing/2014/main" id="{66D0C005-DEF3-48FD-A074-0C0ABD142A2A}"/>
               </a:ext>
             </a:extLst>
           </p:cNvPr>
@@ -13249,10 +13239,6 @@
               </a:rPr>
               <a:t>주문 관리</a:t>
             </a:r>
-            <a:endParaRPr lang="ko-KR" altLang="en-US" sz="1200" b="1" dirty="0">
-              <a:latin typeface="+mj-ea"/>
-              <a:ea typeface="+mj-ea"/>
-            </a:endParaRPr>
           </a:p>
         </p:txBody>
       </p:sp>
@@ -13261,7 +13247,7 @@
           <p:cNvPr id="36" name="Google Shape;102;p13">
             <a:extLst>
               <a:ext uri="{FF2B5EF4-FFF2-40B4-BE49-F238E27FC236}">
-                <a16:creationId xmlns:a16="http://schemas.microsoft.com/office/drawing/2014/main" xmlns="" id="{C704DD7E-8B1F-4B5A-832E-6B178666BEB8}"/>
+                <a16:creationId xmlns="" xmlns:a16="http://schemas.microsoft.com/office/drawing/2014/main" id="{C704DD7E-8B1F-4B5A-832E-6B178666BEB8}"/>
               </a:ext>
             </a:extLst>
           </p:cNvPr>
@@ -13324,7 +13310,7 @@
           <p:cNvPr id="37" name="Google Shape;102;p13">
             <a:extLst>
               <a:ext uri="{FF2B5EF4-FFF2-40B4-BE49-F238E27FC236}">
-                <a16:creationId xmlns:a16="http://schemas.microsoft.com/office/drawing/2014/main" xmlns="" id="{85AB7D6F-8B57-4DEC-9E37-3F7B85052802}"/>
+                <a16:creationId xmlns="" xmlns:a16="http://schemas.microsoft.com/office/drawing/2014/main" id="{85AB7D6F-8B57-4DEC-9E37-3F7B85052802}"/>
               </a:ext>
             </a:extLst>
           </p:cNvPr>
@@ -13399,7 +13385,7 @@
           <p:cNvPr id="38" name="Google Shape;102;p13">
             <a:extLst>
               <a:ext uri="{FF2B5EF4-FFF2-40B4-BE49-F238E27FC236}">
-                <a16:creationId xmlns:a16="http://schemas.microsoft.com/office/drawing/2014/main" xmlns="" id="{85AB7D6F-8B57-4DEC-9E37-3F7B85052802}"/>
+                <a16:creationId xmlns="" xmlns:a16="http://schemas.microsoft.com/office/drawing/2014/main" id="{85AB7D6F-8B57-4DEC-9E37-3F7B85052802}"/>
               </a:ext>
             </a:extLst>
           </p:cNvPr>
@@ -13482,7 +13468,7 @@
           <p:cNvPr id="39" name="Google Shape;102;p13">
             <a:extLst>
               <a:ext uri="{FF2B5EF4-FFF2-40B4-BE49-F238E27FC236}">
-                <a16:creationId xmlns:a16="http://schemas.microsoft.com/office/drawing/2014/main" xmlns="" id="{85AB7D6F-8B57-4DEC-9E37-3F7B85052802}"/>
+                <a16:creationId xmlns="" xmlns:a16="http://schemas.microsoft.com/office/drawing/2014/main" id="{85AB7D6F-8B57-4DEC-9E37-3F7B85052802}"/>
               </a:ext>
             </a:extLst>
           </p:cNvPr>
@@ -13550,7 +13536,7 @@
           <p:cNvPr id="40" name="Google Shape;102;p13">
             <a:extLst>
               <a:ext uri="{FF2B5EF4-FFF2-40B4-BE49-F238E27FC236}">
-                <a16:creationId xmlns:a16="http://schemas.microsoft.com/office/drawing/2014/main" xmlns="" id="{85AB7D6F-8B57-4DEC-9E37-3F7B85052802}"/>
+                <a16:creationId xmlns="" xmlns:a16="http://schemas.microsoft.com/office/drawing/2014/main" id="{85AB7D6F-8B57-4DEC-9E37-3F7B85052802}"/>
               </a:ext>
             </a:extLst>
           </p:cNvPr>
@@ -13633,7 +13619,7 @@
           <p:cNvPr id="41" name="직선 화살표 연결선 40">
             <a:extLst>
               <a:ext uri="{FF2B5EF4-FFF2-40B4-BE49-F238E27FC236}">
-                <a16:creationId xmlns:a16="http://schemas.microsoft.com/office/drawing/2014/main" xmlns="" id="{035063CF-0BE5-4174-A7B5-34F632784F0C}"/>
+                <a16:creationId xmlns="" xmlns:a16="http://schemas.microsoft.com/office/drawing/2014/main" id="{035063CF-0BE5-4174-A7B5-34F632784F0C}"/>
               </a:ext>
             </a:extLst>
           </p:cNvPr>
@@ -13676,7 +13662,7 @@
           <p:cNvPr id="43" name="직선 화살표 연결선 42">
             <a:extLst>
               <a:ext uri="{FF2B5EF4-FFF2-40B4-BE49-F238E27FC236}">
-                <a16:creationId xmlns:a16="http://schemas.microsoft.com/office/drawing/2014/main" xmlns="" id="{9BAA9AE0-8263-4AD7-8D96-4564D0DF4032}"/>
+                <a16:creationId xmlns="" xmlns:a16="http://schemas.microsoft.com/office/drawing/2014/main" id="{9BAA9AE0-8263-4AD7-8D96-4564D0DF4032}"/>
               </a:ext>
             </a:extLst>
           </p:cNvPr>
@@ -13718,7 +13704,7 @@
           <p:cNvPr id="44" name="직선 화살표 연결선 43">
             <a:extLst>
               <a:ext uri="{FF2B5EF4-FFF2-40B4-BE49-F238E27FC236}">
-                <a16:creationId xmlns:a16="http://schemas.microsoft.com/office/drawing/2014/main" xmlns="" id="{035063CF-0BE5-4174-A7B5-34F632784F0C}"/>
+                <a16:creationId xmlns="" xmlns:a16="http://schemas.microsoft.com/office/drawing/2014/main" id="{035063CF-0BE5-4174-A7B5-34F632784F0C}"/>
               </a:ext>
             </a:extLst>
           </p:cNvPr>
@@ -13761,7 +13747,7 @@
           <p:cNvPr id="45" name="직선 화살표 연결선 44">
             <a:extLst>
               <a:ext uri="{FF2B5EF4-FFF2-40B4-BE49-F238E27FC236}">
-                <a16:creationId xmlns:a16="http://schemas.microsoft.com/office/drawing/2014/main" xmlns="" id="{035063CF-0BE5-4174-A7B5-34F632784F0C}"/>
+                <a16:creationId xmlns="" xmlns:a16="http://schemas.microsoft.com/office/drawing/2014/main" id="{035063CF-0BE5-4174-A7B5-34F632784F0C}"/>
               </a:ext>
             </a:extLst>
           </p:cNvPr>
@@ -13804,7 +13790,7 @@
           <p:cNvPr id="46" name="직선 화살표 연결선 45">
             <a:extLst>
               <a:ext uri="{FF2B5EF4-FFF2-40B4-BE49-F238E27FC236}">
-                <a16:creationId xmlns:a16="http://schemas.microsoft.com/office/drawing/2014/main" xmlns="" id="{035063CF-0BE5-4174-A7B5-34F632784F0C}"/>
+                <a16:creationId xmlns="" xmlns:a16="http://schemas.microsoft.com/office/drawing/2014/main" id="{035063CF-0BE5-4174-A7B5-34F632784F0C}"/>
               </a:ext>
             </a:extLst>
           </p:cNvPr>
@@ -13847,7 +13833,7 @@
           <p:cNvPr id="47" name="직선 화살표 연결선 46">
             <a:extLst>
               <a:ext uri="{FF2B5EF4-FFF2-40B4-BE49-F238E27FC236}">
-                <a16:creationId xmlns:a16="http://schemas.microsoft.com/office/drawing/2014/main" xmlns="" id="{035063CF-0BE5-4174-A7B5-34F632784F0C}"/>
+                <a16:creationId xmlns="" xmlns:a16="http://schemas.microsoft.com/office/drawing/2014/main" id="{035063CF-0BE5-4174-A7B5-34F632784F0C}"/>
               </a:ext>
             </a:extLst>
           </p:cNvPr>
@@ -13890,7 +13876,7 @@
           <p:cNvPr id="48" name="직선 화살표 연결선 47">
             <a:extLst>
               <a:ext uri="{FF2B5EF4-FFF2-40B4-BE49-F238E27FC236}">
-                <a16:creationId xmlns:a16="http://schemas.microsoft.com/office/drawing/2014/main" xmlns="" id="{035063CF-0BE5-4174-A7B5-34F632784F0C}"/>
+                <a16:creationId xmlns="" xmlns:a16="http://schemas.microsoft.com/office/drawing/2014/main" id="{035063CF-0BE5-4174-A7B5-34F632784F0C}"/>
               </a:ext>
             </a:extLst>
           </p:cNvPr>
@@ -13933,7 +13919,7 @@
           <p:cNvPr id="49" name="직선 화살표 연결선 48">
             <a:extLst>
               <a:ext uri="{FF2B5EF4-FFF2-40B4-BE49-F238E27FC236}">
-                <a16:creationId xmlns:a16="http://schemas.microsoft.com/office/drawing/2014/main" xmlns="" id="{035063CF-0BE5-4174-A7B5-34F632784F0C}"/>
+                <a16:creationId xmlns="" xmlns:a16="http://schemas.microsoft.com/office/drawing/2014/main" id="{035063CF-0BE5-4174-A7B5-34F632784F0C}"/>
               </a:ext>
             </a:extLst>
           </p:cNvPr>
@@ -13976,7 +13962,7 @@
           <p:cNvPr id="50" name="직선 화살표 연결선 49">
             <a:extLst>
               <a:ext uri="{FF2B5EF4-FFF2-40B4-BE49-F238E27FC236}">
-                <a16:creationId xmlns:a16="http://schemas.microsoft.com/office/drawing/2014/main" xmlns="" id="{035063CF-0BE5-4174-A7B5-34F632784F0C}"/>
+                <a16:creationId xmlns="" xmlns:a16="http://schemas.microsoft.com/office/drawing/2014/main" id="{035063CF-0BE5-4174-A7B5-34F632784F0C}"/>
               </a:ext>
             </a:extLst>
           </p:cNvPr>
@@ -14019,7 +14005,7 @@
           <p:cNvPr id="51" name="직선 화살표 연결선 50">
             <a:extLst>
               <a:ext uri="{FF2B5EF4-FFF2-40B4-BE49-F238E27FC236}">
-                <a16:creationId xmlns:a16="http://schemas.microsoft.com/office/drawing/2014/main" xmlns="" id="{035063CF-0BE5-4174-A7B5-34F632784F0C}"/>
+                <a16:creationId xmlns="" xmlns:a16="http://schemas.microsoft.com/office/drawing/2014/main" id="{035063CF-0BE5-4174-A7B5-34F632784F0C}"/>
               </a:ext>
             </a:extLst>
           </p:cNvPr>
@@ -14062,7 +14048,7 @@
           <p:cNvPr id="53" name="직선 화살표 연결선 52">
             <a:extLst>
               <a:ext uri="{FF2B5EF4-FFF2-40B4-BE49-F238E27FC236}">
-                <a16:creationId xmlns:a16="http://schemas.microsoft.com/office/drawing/2014/main" xmlns="" id="{035063CF-0BE5-4174-A7B5-34F632784F0C}"/>
+                <a16:creationId xmlns="" xmlns:a16="http://schemas.microsoft.com/office/drawing/2014/main" id="{035063CF-0BE5-4174-A7B5-34F632784F0C}"/>
               </a:ext>
             </a:extLst>
           </p:cNvPr>
@@ -14105,7 +14091,7 @@
           <p:cNvPr id="54" name="직선 화살표 연결선 53">
             <a:extLst>
               <a:ext uri="{FF2B5EF4-FFF2-40B4-BE49-F238E27FC236}">
-                <a16:creationId xmlns:a16="http://schemas.microsoft.com/office/drawing/2014/main" xmlns="" id="{035063CF-0BE5-4174-A7B5-34F632784F0C}"/>
+                <a16:creationId xmlns="" xmlns:a16="http://schemas.microsoft.com/office/drawing/2014/main" id="{035063CF-0BE5-4174-A7B5-34F632784F0C}"/>
               </a:ext>
             </a:extLst>
           </p:cNvPr>
@@ -14148,7 +14134,7 @@
           <p:cNvPr id="55" name="직선 화살표 연결선 54">
             <a:extLst>
               <a:ext uri="{FF2B5EF4-FFF2-40B4-BE49-F238E27FC236}">
-                <a16:creationId xmlns:a16="http://schemas.microsoft.com/office/drawing/2014/main" xmlns="" id="{035063CF-0BE5-4174-A7B5-34F632784F0C}"/>
+                <a16:creationId xmlns="" xmlns:a16="http://schemas.microsoft.com/office/drawing/2014/main" id="{035063CF-0BE5-4174-A7B5-34F632784F0C}"/>
               </a:ext>
             </a:extLst>
           </p:cNvPr>
@@ -14228,17 +14214,7 @@
                 <a:latin typeface="+mj-ea"/>
                 <a:ea typeface="+mj-ea"/>
               </a:rPr>
-              <a:t>관리자 </a:t>
-            </a:r>
-            <a:r>
-              <a:rPr lang="ko-KR" altLang="en-US" sz="1200" b="1" dirty="0" smtClean="0">
-                <a:solidFill>
-                  <a:schemeClr val="bg1"/>
-                </a:solidFill>
-                <a:latin typeface="+mj-ea"/>
-                <a:ea typeface="+mj-ea"/>
-              </a:rPr>
-              <a:t>계정 관리</a:t>
+              <a:t>관리자 계정 관리</a:t>
             </a:r>
             <a:endParaRPr sz="1200" b="1" dirty="0">
               <a:solidFill>
@@ -14567,7 +14543,7 @@
           <p:cNvPr id="253" name="Google Shape;102;p13">
             <a:extLst>
               <a:ext uri="{FF2B5EF4-FFF2-40B4-BE49-F238E27FC236}">
-                <a16:creationId xmlns:a16="http://schemas.microsoft.com/office/drawing/2014/main" xmlns="" id="{85AB7D6F-8B57-4DEC-9E37-3F7B85052802}"/>
+                <a16:creationId xmlns="" xmlns:a16="http://schemas.microsoft.com/office/drawing/2014/main" id="{85AB7D6F-8B57-4DEC-9E37-3F7B85052802}"/>
               </a:ext>
             </a:extLst>
           </p:cNvPr>
@@ -14630,10 +14606,6 @@
               </a:rPr>
               <a:t>문의</a:t>
             </a:r>
-            <a:endParaRPr lang="ko-KR" altLang="en-US" sz="1200" b="1" dirty="0">
-              <a:latin typeface="+mj-ea"/>
-              <a:ea typeface="+mj-ea"/>
-            </a:endParaRPr>
           </a:p>
         </p:txBody>
       </p:sp>
@@ -14642,7 +14614,7 @@
           <p:cNvPr id="254" name="Google Shape;102;p13">
             <a:extLst>
               <a:ext uri="{FF2B5EF4-FFF2-40B4-BE49-F238E27FC236}">
-                <a16:creationId xmlns:a16="http://schemas.microsoft.com/office/drawing/2014/main" xmlns="" id="{66D0C005-DEF3-48FD-A074-0C0ABD142A2A}"/>
+                <a16:creationId xmlns="" xmlns:a16="http://schemas.microsoft.com/office/drawing/2014/main" id="{66D0C005-DEF3-48FD-A074-0C0ABD142A2A}"/>
               </a:ext>
             </a:extLst>
           </p:cNvPr>
@@ -14717,7 +14689,7 @@
           <p:cNvPr id="289" name="직선 화살표 연결선 288">
             <a:extLst>
               <a:ext uri="{FF2B5EF4-FFF2-40B4-BE49-F238E27FC236}">
-                <a16:creationId xmlns:a16="http://schemas.microsoft.com/office/drawing/2014/main" xmlns="" id="{035063CF-0BE5-4174-A7B5-34F632784F0C}"/>
+                <a16:creationId xmlns="" xmlns:a16="http://schemas.microsoft.com/office/drawing/2014/main" id="{035063CF-0BE5-4174-A7B5-34F632784F0C}"/>
               </a:ext>
             </a:extLst>
           </p:cNvPr>
@@ -14760,7 +14732,7 @@
           <p:cNvPr id="292" name="직선 화살표 연결선 291">
             <a:extLst>
               <a:ext uri="{FF2B5EF4-FFF2-40B4-BE49-F238E27FC236}">
-                <a16:creationId xmlns:a16="http://schemas.microsoft.com/office/drawing/2014/main" xmlns="" id="{035063CF-0BE5-4174-A7B5-34F632784F0C}"/>
+                <a16:creationId xmlns="" xmlns:a16="http://schemas.microsoft.com/office/drawing/2014/main" id="{035063CF-0BE5-4174-A7B5-34F632784F0C}"/>
               </a:ext>
             </a:extLst>
           </p:cNvPr>
@@ -14832,7 +14804,7 @@
           <p:cNvPr id="311" name="Google Shape;102;p13">
             <a:extLst>
               <a:ext uri="{FF2B5EF4-FFF2-40B4-BE49-F238E27FC236}">
-                <a16:creationId xmlns:a16="http://schemas.microsoft.com/office/drawing/2014/main" xmlns="" id="{D4EAD755-BB98-41D1-9C16-8CC51AD0D492}"/>
+                <a16:creationId xmlns="" xmlns:a16="http://schemas.microsoft.com/office/drawing/2014/main" id="{D4EAD755-BB98-41D1-9C16-8CC51AD0D492}"/>
               </a:ext>
             </a:extLst>
           </p:cNvPr>
@@ -14886,7 +14858,7 @@
           <p:cNvPr id="312" name="Google Shape;102;p13">
             <a:extLst>
               <a:ext uri="{FF2B5EF4-FFF2-40B4-BE49-F238E27FC236}">
-                <a16:creationId xmlns:a16="http://schemas.microsoft.com/office/drawing/2014/main" xmlns="" id="{C704DD7E-8B1F-4B5A-832E-6B178666BEB8}"/>
+                <a16:creationId xmlns="" xmlns:a16="http://schemas.microsoft.com/office/drawing/2014/main" id="{C704DD7E-8B1F-4B5A-832E-6B178666BEB8}"/>
               </a:ext>
             </a:extLst>
           </p:cNvPr>
@@ -14949,7 +14921,7 @@
           <p:cNvPr id="313" name="Google Shape;102;p13">
             <a:extLst>
               <a:ext uri="{FF2B5EF4-FFF2-40B4-BE49-F238E27FC236}">
-                <a16:creationId xmlns:a16="http://schemas.microsoft.com/office/drawing/2014/main" xmlns="" id="{C704DD7E-8B1F-4B5A-832E-6B178666BEB8}"/>
+                <a16:creationId xmlns="" xmlns:a16="http://schemas.microsoft.com/office/drawing/2014/main" id="{C704DD7E-8B1F-4B5A-832E-6B178666BEB8}"/>
               </a:ext>
             </a:extLst>
           </p:cNvPr>
@@ -23093,587 +23065,6 @@
   <p:cSld>
     <p:spTree>
       <p:nvGrpSpPr>
-        <p:cNvPr id="1" name=""/>
-        <p:cNvGrpSpPr/>
-        <p:nvPr/>
-      </p:nvGrpSpPr>
-      <p:grpSpPr>
-        <a:xfrm>
-          <a:off x="0" y="0"/>
-          <a:ext cx="0" cy="0"/>
-          <a:chOff x="0" y="0"/>
-          <a:chExt cx="0" cy="0"/>
-        </a:xfrm>
-      </p:grpSpPr>
-      <p:sp>
-        <p:nvSpPr>
-          <p:cNvPr id="6" name="양쪽 모서리가 둥근 사각형 5"/>
-          <p:cNvSpPr/>
-          <p:nvPr/>
-        </p:nvSpPr>
-        <p:spPr>
-          <a:xfrm>
-            <a:off x="107505" y="411511"/>
-            <a:ext cx="8928992" cy="4608512"/>
-          </a:xfrm>
-          <a:prstGeom prst="round2SameRect">
-            <a:avLst>
-              <a:gd name="adj1" fmla="val 0"/>
-              <a:gd name="adj2" fmla="val 2405"/>
-            </a:avLst>
-          </a:prstGeom>
-          <a:solidFill>
-            <a:schemeClr val="bg1"/>
-          </a:solidFill>
-          <a:ln>
-            <a:noFill/>
-          </a:ln>
-          <a:effectLst>
-            <a:outerShdw dist="254000" dir="5400000" sx="97000" sy="97000" algn="t" rotWithShape="0">
-              <a:prstClr val="black">
-                <a:alpha val="40000"/>
-              </a:prstClr>
-            </a:outerShdw>
-          </a:effectLst>
-        </p:spPr>
-        <p:style>
-          <a:lnRef idx="2">
-            <a:schemeClr val="accent1">
-              <a:shade val="50000"/>
-            </a:schemeClr>
-          </a:lnRef>
-          <a:fillRef idx="1">
-            <a:schemeClr val="accent1"/>
-          </a:fillRef>
-          <a:effectRef idx="0">
-            <a:schemeClr val="accent1"/>
-          </a:effectRef>
-          <a:fontRef idx="minor">
-            <a:schemeClr val="lt1"/>
-          </a:fontRef>
-        </p:style>
-        <p:txBody>
-          <a:bodyPr lIns="68580" tIns="34290" rIns="68580" bIns="34290" rtlCol="0" anchor="ctr"/>
-          <a:lstStyle/>
-          <a:p>
-            <a:pPr algn="ctr"/>
-            <a:endParaRPr lang="ko-KR" altLang="en-US" sz="1800">
-              <a:solidFill>
-                <a:prstClr val="white"/>
-              </a:solidFill>
-            </a:endParaRPr>
-          </a:p>
-        </p:txBody>
-      </p:sp>
-      <p:sp>
-        <p:nvSpPr>
-          <p:cNvPr id="5" name="양쪽 모서리가 둥근 사각형 4"/>
-          <p:cNvSpPr/>
-          <p:nvPr/>
-        </p:nvSpPr>
-        <p:spPr>
-          <a:xfrm>
-            <a:off x="107505" y="182910"/>
-            <a:ext cx="8928992" cy="228600"/>
-          </a:xfrm>
-          <a:prstGeom prst="round2SameRect">
-            <a:avLst>
-              <a:gd name="adj1" fmla="val 44667"/>
-              <a:gd name="adj2" fmla="val 0"/>
-            </a:avLst>
-          </a:prstGeom>
-          <a:solidFill>
-            <a:srgbClr val="411F42"/>
-          </a:solidFill>
-          <a:ln>
-            <a:noFill/>
-          </a:ln>
-          <a:effectLst>
-            <a:outerShdw dist="76200" dir="16200000" sx="97000" sy="97000" rotWithShape="0">
-              <a:prstClr val="black">
-                <a:alpha val="40000"/>
-              </a:prstClr>
-            </a:outerShdw>
-          </a:effectLst>
-        </p:spPr>
-        <p:style>
-          <a:lnRef idx="2">
-            <a:schemeClr val="accent1">
-              <a:shade val="50000"/>
-            </a:schemeClr>
-          </a:lnRef>
-          <a:fillRef idx="1">
-            <a:schemeClr val="accent1"/>
-          </a:fillRef>
-          <a:effectRef idx="0">
-            <a:schemeClr val="accent1"/>
-          </a:effectRef>
-          <a:fontRef idx="minor">
-            <a:schemeClr val="lt1"/>
-          </a:fontRef>
-        </p:style>
-        <p:txBody>
-          <a:bodyPr lIns="68580" tIns="34290" rIns="68580" bIns="34290" rtlCol="0" anchor="ctr"/>
-          <a:lstStyle/>
-          <a:p>
-            <a:pPr algn="ctr"/>
-            <a:endParaRPr lang="ko-KR" altLang="en-US" sz="1800">
-              <a:solidFill>
-                <a:prstClr val="white"/>
-              </a:solidFill>
-            </a:endParaRPr>
-          </a:p>
-        </p:txBody>
-      </p:sp>
-      <p:sp>
-        <p:nvSpPr>
-          <p:cNvPr id="7" name="직사각형 6"/>
-          <p:cNvSpPr/>
-          <p:nvPr/>
-        </p:nvSpPr>
-        <p:spPr>
-          <a:xfrm>
-            <a:off x="701340" y="274998"/>
-            <a:ext cx="7960351" cy="54000"/>
-          </a:xfrm>
-          <a:prstGeom prst="rect">
-            <a:avLst/>
-          </a:prstGeom>
-          <a:solidFill>
-            <a:schemeClr val="bg1"/>
-          </a:solidFill>
-          <a:ln>
-            <a:noFill/>
-          </a:ln>
-        </p:spPr>
-        <p:style>
-          <a:lnRef idx="2">
-            <a:schemeClr val="accent1">
-              <a:shade val="50000"/>
-            </a:schemeClr>
-          </a:lnRef>
-          <a:fillRef idx="1">
-            <a:schemeClr val="accent1"/>
-          </a:fillRef>
-          <a:effectRef idx="0">
-            <a:schemeClr val="accent1"/>
-          </a:effectRef>
-          <a:fontRef idx="minor">
-            <a:schemeClr val="lt1"/>
-          </a:fontRef>
-        </p:style>
-        <p:txBody>
-          <a:bodyPr lIns="68580" tIns="34290" rIns="68580" bIns="34290" rtlCol="0" anchor="ctr"/>
-          <a:lstStyle/>
-          <a:p>
-            <a:pPr algn="ctr"/>
-            <a:endParaRPr lang="ko-KR" altLang="en-US" sz="1800">
-              <a:solidFill>
-                <a:prstClr val="white"/>
-              </a:solidFill>
-            </a:endParaRPr>
-          </a:p>
-        </p:txBody>
-      </p:sp>
-      <p:sp>
-        <p:nvSpPr>
-          <p:cNvPr id="8" name="타원 7"/>
-          <p:cNvSpPr/>
-          <p:nvPr/>
-        </p:nvSpPr>
-        <p:spPr>
-          <a:xfrm>
-            <a:off x="432712" y="274998"/>
-            <a:ext cx="56457" cy="54000"/>
-          </a:xfrm>
-          <a:prstGeom prst="ellipse">
-            <a:avLst/>
-          </a:prstGeom>
-          <a:solidFill>
-            <a:srgbClr val="FF6189"/>
-          </a:solidFill>
-          <a:ln>
-            <a:noFill/>
-          </a:ln>
-        </p:spPr>
-        <p:style>
-          <a:lnRef idx="2">
-            <a:schemeClr val="accent1">
-              <a:shade val="50000"/>
-            </a:schemeClr>
-          </a:lnRef>
-          <a:fillRef idx="1">
-            <a:schemeClr val="accent1"/>
-          </a:fillRef>
-          <a:effectRef idx="0">
-            <a:schemeClr val="accent1"/>
-          </a:effectRef>
-          <a:fontRef idx="minor">
-            <a:schemeClr val="lt1"/>
-          </a:fontRef>
-        </p:style>
-        <p:txBody>
-          <a:bodyPr lIns="68580" tIns="34290" rIns="68580" bIns="34290" rtlCol="0" anchor="ctr"/>
-          <a:lstStyle/>
-          <a:p>
-            <a:pPr algn="ctr"/>
-            <a:endParaRPr lang="ko-KR" altLang="en-US" sz="1800">
-              <a:solidFill>
-                <a:prstClr val="white"/>
-              </a:solidFill>
-            </a:endParaRPr>
-          </a:p>
-        </p:txBody>
-      </p:sp>
-      <p:sp>
-        <p:nvSpPr>
-          <p:cNvPr id="9" name="타원 8"/>
-          <p:cNvSpPr/>
-          <p:nvPr/>
-        </p:nvSpPr>
-        <p:spPr>
-          <a:xfrm>
-            <a:off x="575120" y="274998"/>
-            <a:ext cx="56457" cy="54000"/>
-          </a:xfrm>
-          <a:prstGeom prst="ellipse">
-            <a:avLst/>
-          </a:prstGeom>
-          <a:solidFill>
-            <a:srgbClr val="00B0F0"/>
-          </a:solidFill>
-          <a:ln>
-            <a:noFill/>
-          </a:ln>
-        </p:spPr>
-        <p:style>
-          <a:lnRef idx="2">
-            <a:schemeClr val="accent1">
-              <a:shade val="50000"/>
-            </a:schemeClr>
-          </a:lnRef>
-          <a:fillRef idx="1">
-            <a:schemeClr val="accent1"/>
-          </a:fillRef>
-          <a:effectRef idx="0">
-            <a:schemeClr val="accent1"/>
-          </a:effectRef>
-          <a:fontRef idx="minor">
-            <a:schemeClr val="lt1"/>
-          </a:fontRef>
-        </p:style>
-        <p:txBody>
-          <a:bodyPr lIns="68580" tIns="34290" rIns="68580" bIns="34290" rtlCol="0" anchor="ctr"/>
-          <a:lstStyle/>
-          <a:p>
-            <a:pPr algn="ctr"/>
-            <a:endParaRPr lang="ko-KR" altLang="en-US" sz="1800">
-              <a:solidFill>
-                <a:prstClr val="white"/>
-              </a:solidFill>
-            </a:endParaRPr>
-          </a:p>
-        </p:txBody>
-      </p:sp>
-      <p:sp>
-        <p:nvSpPr>
-          <p:cNvPr id="10" name="타원 9"/>
-          <p:cNvSpPr/>
-          <p:nvPr/>
-        </p:nvSpPr>
-        <p:spPr>
-          <a:xfrm>
-            <a:off x="717527" y="274998"/>
-            <a:ext cx="56457" cy="54000"/>
-          </a:xfrm>
-          <a:prstGeom prst="ellipse">
-            <a:avLst/>
-          </a:prstGeom>
-          <a:solidFill>
-            <a:schemeClr val="accent4"/>
-          </a:solidFill>
-          <a:ln>
-            <a:noFill/>
-          </a:ln>
-        </p:spPr>
-        <p:style>
-          <a:lnRef idx="2">
-            <a:schemeClr val="accent1">
-              <a:shade val="50000"/>
-            </a:schemeClr>
-          </a:lnRef>
-          <a:fillRef idx="1">
-            <a:schemeClr val="accent1"/>
-          </a:fillRef>
-          <a:effectRef idx="0">
-            <a:schemeClr val="accent1"/>
-          </a:effectRef>
-          <a:fontRef idx="minor">
-            <a:schemeClr val="lt1"/>
-          </a:fontRef>
-        </p:style>
-        <p:txBody>
-          <a:bodyPr lIns="68580" tIns="34290" rIns="68580" bIns="34290" rtlCol="0" anchor="ctr"/>
-          <a:lstStyle/>
-          <a:p>
-            <a:pPr algn="ctr"/>
-            <a:endParaRPr lang="ko-KR" altLang="en-US" sz="1800">
-              <a:solidFill>
-                <a:prstClr val="white"/>
-              </a:solidFill>
-            </a:endParaRPr>
-          </a:p>
-        </p:txBody>
-      </p:sp>
-      <p:sp>
-        <p:nvSpPr>
-          <p:cNvPr id="15" name="직사각형 14"/>
-          <p:cNvSpPr/>
-          <p:nvPr/>
-        </p:nvSpPr>
-        <p:spPr>
-          <a:xfrm>
-            <a:off x="985546" y="557598"/>
-            <a:ext cx="4944325" cy="375104"/>
-          </a:xfrm>
-          <a:prstGeom prst="rect">
-            <a:avLst/>
-          </a:prstGeom>
-        </p:spPr>
-        <p:txBody>
-          <a:bodyPr wrap="square" lIns="51435" tIns="25718" rIns="51435" bIns="25718">
-            <a:spAutoFit/>
-          </a:bodyPr>
-          <a:lstStyle/>
-          <a:p>
-            <a:pPr>
-              <a:lnSpc>
-                <a:spcPct val="150000"/>
-              </a:lnSpc>
-            </a:pPr>
-            <a:r>
-              <a:rPr lang="en-US" altLang="ko-KR" b="1">
-                <a:solidFill>
-                  <a:schemeClr val="tx1">
-                    <a:lumMod val="75000"/>
-                    <a:lumOff val="25000"/>
-                  </a:schemeClr>
-                </a:solidFill>
-                <a:latin typeface="나눔고딕" panose="020D0604000000000000" pitchFamily="50" charset="-127"/>
-                <a:ea typeface="나눔고딕" panose="020D0604000000000000" pitchFamily="50" charset="-127"/>
-              </a:rPr>
-              <a:t>[ </a:t>
-            </a:r>
-            <a:r>
-              <a:rPr lang="ko-KR" altLang="en-US" b="1">
-                <a:solidFill>
-                  <a:schemeClr val="tx1">
-                    <a:lumMod val="75000"/>
-                    <a:lumOff val="25000"/>
-                  </a:schemeClr>
-                </a:solidFill>
-                <a:latin typeface="나눔고딕" panose="020D0604000000000000" pitchFamily="50" charset="-127"/>
-                <a:ea typeface="나눔고딕" panose="020D0604000000000000" pitchFamily="50" charset="-127"/>
-              </a:rPr>
-              <a:t>화면구현 </a:t>
-            </a:r>
-            <a:r>
-              <a:rPr lang="en-US" altLang="ko-KR" b="1">
-                <a:solidFill>
-                  <a:schemeClr val="tx1">
-                    <a:lumMod val="75000"/>
-                    <a:lumOff val="25000"/>
-                  </a:schemeClr>
-                </a:solidFill>
-                <a:latin typeface="나눔고딕" panose="020D0604000000000000" pitchFamily="50" charset="-127"/>
-                <a:ea typeface="나눔고딕" panose="020D0604000000000000" pitchFamily="50" charset="-127"/>
-              </a:rPr>
-              <a:t>] </a:t>
-            </a:r>
-            <a:r>
-              <a:rPr lang="ko-KR" altLang="en-US" b="1">
-                <a:solidFill>
-                  <a:schemeClr val="tx1">
-                    <a:lumMod val="75000"/>
-                    <a:lumOff val="25000"/>
-                  </a:schemeClr>
-                </a:solidFill>
-                <a:latin typeface="나눔고딕" panose="020D0604000000000000" pitchFamily="50" charset="-127"/>
-                <a:ea typeface="나눔고딕" panose="020D0604000000000000" pitchFamily="50" charset="-127"/>
-              </a:rPr>
-              <a:t>상품상세 </a:t>
-            </a:r>
-            <a:r>
-              <a:rPr lang="en-US" altLang="ko-KR" b="1" dirty="0">
-                <a:solidFill>
-                  <a:schemeClr val="tx1">
-                    <a:lumMod val="75000"/>
-                    <a:lumOff val="25000"/>
-                  </a:schemeClr>
-                </a:solidFill>
-                <a:latin typeface="나눔고딕" panose="020D0604000000000000" pitchFamily="50" charset="-127"/>
-                <a:ea typeface="나눔고딕" panose="020D0604000000000000" pitchFamily="50" charset="-127"/>
-              </a:rPr>
-              <a:t>– </a:t>
-            </a:r>
-            <a:r>
-              <a:rPr lang="ko-KR" altLang="en-US" b="1" dirty="0" err="1">
-                <a:solidFill>
-                  <a:schemeClr val="tx1">
-                    <a:lumMod val="75000"/>
-                    <a:lumOff val="25000"/>
-                  </a:schemeClr>
-                </a:solidFill>
-                <a:latin typeface="나눔고딕" panose="020D0604000000000000" pitchFamily="50" charset="-127"/>
-                <a:ea typeface="나눔고딕" panose="020D0604000000000000" pitchFamily="50" charset="-127"/>
-              </a:rPr>
-              <a:t>리워드</a:t>
-            </a:r>
-            <a:r>
-              <a:rPr lang="ko-KR" altLang="en-US" b="1" dirty="0">
-                <a:solidFill>
-                  <a:schemeClr val="tx1">
-                    <a:lumMod val="75000"/>
-                    <a:lumOff val="25000"/>
-                  </a:schemeClr>
-                </a:solidFill>
-                <a:latin typeface="나눔고딕" panose="020D0604000000000000" pitchFamily="50" charset="-127"/>
-                <a:ea typeface="나눔고딕" panose="020D0604000000000000" pitchFamily="50" charset="-127"/>
-              </a:rPr>
-              <a:t> 스토어 </a:t>
-            </a:r>
-            <a:r>
-              <a:rPr lang="en-US" altLang="ko-KR" b="1" dirty="0">
-                <a:solidFill>
-                  <a:schemeClr val="tx1">
-                    <a:lumMod val="75000"/>
-                    <a:lumOff val="25000"/>
-                  </a:schemeClr>
-                </a:solidFill>
-                <a:latin typeface="나눔고딕" panose="020D0604000000000000" pitchFamily="50" charset="-127"/>
-                <a:ea typeface="나눔고딕" panose="020D0604000000000000" pitchFamily="50" charset="-127"/>
-              </a:rPr>
-              <a:t>- </a:t>
-            </a:r>
-            <a:r>
-              <a:rPr lang="ko-KR" altLang="en-US" b="1" dirty="0">
-                <a:solidFill>
-                  <a:schemeClr val="tx1">
-                    <a:lumMod val="75000"/>
-                    <a:lumOff val="25000"/>
-                  </a:schemeClr>
-                </a:solidFill>
-                <a:latin typeface="나눔고딕" panose="020D0604000000000000" pitchFamily="50" charset="-127"/>
-                <a:ea typeface="나눔고딕" panose="020D0604000000000000" pitchFamily="50" charset="-127"/>
-              </a:rPr>
-              <a:t>사용자</a:t>
-            </a:r>
-          </a:p>
-        </p:txBody>
-      </p:sp>
-      <p:pic>
-        <p:nvPicPr>
-          <p:cNvPr id="17" name="Picture 2"/>
-          <p:cNvPicPr>
-            <a:picLocks noChangeAspect="1" noChangeArrowheads="1"/>
-          </p:cNvPicPr>
-          <p:nvPr/>
-        </p:nvPicPr>
-        <p:blipFill>
-          <a:blip r:embed="rId2" cstate="print">
-            <a:extLst>
-              <a:ext uri="{28A0092B-C50C-407E-A947-70E740481C1C}">
-                <a14:useLocalDpi xmlns:a14="http://schemas.microsoft.com/office/drawing/2010/main" val="0"/>
-              </a:ext>
-            </a:extLst>
-          </a:blip>
-          <a:srcRect/>
-          <a:stretch>
-            <a:fillRect/>
-          </a:stretch>
-        </p:blipFill>
-        <p:spPr bwMode="auto">
-          <a:xfrm>
-            <a:off x="251174" y="523626"/>
-            <a:ext cx="647891" cy="431505"/>
-          </a:xfrm>
-          <a:prstGeom prst="rect">
-            <a:avLst/>
-          </a:prstGeom>
-          <a:noFill/>
-          <a:ln>
-            <a:noFill/>
-          </a:ln>
-          <a:extLst>
-            <a:ext uri="{909E8E84-426E-40DD-AFC4-6F175D3DCCD1}">
-              <a14:hiddenFill xmlns:a14="http://schemas.microsoft.com/office/drawing/2010/main">
-                <a:solidFill>
-                  <a:schemeClr val="accent1"/>
-                </a:solidFill>
-              </a14:hiddenFill>
-            </a:ext>
-            <a:ext uri="{91240B29-F687-4F45-9708-019B960494DF}">
-              <a14:hiddenLine xmlns:a14="http://schemas.microsoft.com/office/drawing/2010/main" w="9525">
-                <a:solidFill>
-                  <a:schemeClr val="tx1"/>
-                </a:solidFill>
-                <a:miter lim="800000"/>
-                <a:headEnd/>
-                <a:tailEnd/>
-              </a14:hiddenLine>
-            </a:ext>
-          </a:extLst>
-        </p:spPr>
-      </p:pic>
-      <p:pic>
-        <p:nvPicPr>
-          <p:cNvPr id="2" name="그림 1"/>
-          <p:cNvPicPr>
-            <a:picLocks noChangeAspect="1"/>
-          </p:cNvPicPr>
-          <p:nvPr/>
-        </p:nvPicPr>
-        <p:blipFill>
-          <a:blip r:embed="rId3"/>
-          <a:stretch>
-            <a:fillRect/>
-          </a:stretch>
-        </p:blipFill>
-        <p:spPr>
-          <a:xfrm>
-            <a:off x="2555776" y="1038356"/>
-            <a:ext cx="2600325" cy="3654413"/>
-          </a:xfrm>
-          <a:prstGeom prst="rect">
-            <a:avLst/>
-          </a:prstGeom>
-        </p:spPr>
-      </p:pic>
-    </p:spTree>
-    <p:extLst>
-      <p:ext uri="{BB962C8B-B14F-4D97-AF65-F5344CB8AC3E}">
-        <p14:creationId xmlns:p14="http://schemas.microsoft.com/office/powerpoint/2010/main" val="2595085027"/>
-      </p:ext>
-    </p:extLst>
-  </p:cSld>
-  <p:clrMapOvr>
-    <a:masterClrMapping/>
-  </p:clrMapOvr>
-  <p:timing>
-    <p:tnLst>
-      <p:par>
-        <p:cTn id="1" dur="indefinite" restart="never" nodeType="tmRoot"/>
-      </p:par>
-    </p:tnLst>
-  </p:timing>
-</p:sld>
-</file>
-
-<file path=ppt/slides/slide18.xml><?xml version="1.0" encoding="utf-8"?>
-<p:sld xmlns:a="http://schemas.openxmlformats.org/drawingml/2006/main" xmlns:r="http://schemas.openxmlformats.org/officeDocument/2006/relationships" xmlns:p="http://schemas.openxmlformats.org/presentationml/2006/main">
-  <p:cSld>
-    <p:spTree>
-      <p:nvGrpSpPr>
         <p:cNvPr id="1" name="Shape 101"/>
         <p:cNvGrpSpPr/>
         <p:nvPr/>
@@ -24440,7 +23831,7 @@
 </p:sld>
 </file>
 
-<file path=ppt/slides/slide19.xml><?xml version="1.0" encoding="utf-8"?>
+<file path=ppt/slides/slide18.xml><?xml version="1.0" encoding="utf-8"?>
 <p:sld xmlns:a="http://schemas.openxmlformats.org/drawingml/2006/main" xmlns:r="http://schemas.openxmlformats.org/officeDocument/2006/relationships" xmlns:p="http://schemas.openxmlformats.org/presentationml/2006/main">
   <p:cSld>
     <p:spTree>
@@ -25239,42 +24630,42 @@
                 <a:gridCol w="2075016">
                   <a:extLst>
                     <a:ext uri="{9D8B030D-6E8A-4147-A177-3AD203B41FA5}">
-                      <a16:colId xmlns:a16="http://schemas.microsoft.com/office/drawing/2014/main" xmlns="" val="20001"/>
+                      <a16:colId xmlns="" xmlns:a16="http://schemas.microsoft.com/office/drawing/2014/main" val="20001"/>
                     </a:ext>
                   </a:extLst>
                 </a:gridCol>
                 <a:gridCol w="936104">
                   <a:extLst>
                     <a:ext uri="{9D8B030D-6E8A-4147-A177-3AD203B41FA5}">
-                      <a16:colId xmlns:a16="http://schemas.microsoft.com/office/drawing/2014/main" xmlns="" val="20002"/>
+                      <a16:colId xmlns="" xmlns:a16="http://schemas.microsoft.com/office/drawing/2014/main" val="20002"/>
                     </a:ext>
                   </a:extLst>
                 </a:gridCol>
                 <a:gridCol w="792088">
                   <a:extLst>
                     <a:ext uri="{9D8B030D-6E8A-4147-A177-3AD203B41FA5}">
-                      <a16:colId xmlns:a16="http://schemas.microsoft.com/office/drawing/2014/main" xmlns="" val="20003"/>
+                      <a16:colId xmlns="" xmlns:a16="http://schemas.microsoft.com/office/drawing/2014/main" val="20003"/>
                     </a:ext>
                   </a:extLst>
                 </a:gridCol>
                 <a:gridCol w="1368152">
                   <a:extLst>
                     <a:ext uri="{9D8B030D-6E8A-4147-A177-3AD203B41FA5}">
-                      <a16:colId xmlns:a16="http://schemas.microsoft.com/office/drawing/2014/main" xmlns="" val="410757781"/>
+                      <a16:colId xmlns="" xmlns:a16="http://schemas.microsoft.com/office/drawing/2014/main" val="410757781"/>
                     </a:ext>
                   </a:extLst>
                 </a:gridCol>
                 <a:gridCol w="1296144">
                   <a:extLst>
                     <a:ext uri="{9D8B030D-6E8A-4147-A177-3AD203B41FA5}">
-                      <a16:colId xmlns:a16="http://schemas.microsoft.com/office/drawing/2014/main" xmlns="" val="4008089202"/>
+                      <a16:colId xmlns="" xmlns:a16="http://schemas.microsoft.com/office/drawing/2014/main" val="4008089202"/>
                     </a:ext>
                   </a:extLst>
                 </a:gridCol>
                 <a:gridCol w="1440159">
                   <a:extLst>
                     <a:ext uri="{9D8B030D-6E8A-4147-A177-3AD203B41FA5}">
-                      <a16:colId xmlns:a16="http://schemas.microsoft.com/office/drawing/2014/main" xmlns="" val="1952235814"/>
+                      <a16:colId xmlns="" xmlns:a16="http://schemas.microsoft.com/office/drawing/2014/main" val="1952235814"/>
                     </a:ext>
                   </a:extLst>
                 </a:gridCol>
@@ -25497,7 +24888,7 @@
                 </a:tc>
                 <a:extLst>
                   <a:ext uri="{0D108BD9-81ED-4DB2-BD59-A6C34878D82A}">
-                    <a16:rowId xmlns:a16="http://schemas.microsoft.com/office/drawing/2014/main" xmlns="" val="10000"/>
+                    <a16:rowId xmlns="" xmlns:a16="http://schemas.microsoft.com/office/drawing/2014/main" val="10000"/>
                   </a:ext>
                 </a:extLst>
               </a:tr>
@@ -25680,7 +25071,7 @@
                 </a:tc>
                 <a:extLst>
                   <a:ext uri="{0D108BD9-81ED-4DB2-BD59-A6C34878D82A}">
-                    <a16:rowId xmlns:a16="http://schemas.microsoft.com/office/drawing/2014/main" xmlns="" val="10001"/>
+                    <a16:rowId xmlns="" xmlns:a16="http://schemas.microsoft.com/office/drawing/2014/main" val="10001"/>
                   </a:ext>
                 </a:extLst>
               </a:tr>
@@ -25853,7 +25244,7 @@
                 </a:tc>
                 <a:extLst>
                   <a:ext uri="{0D108BD9-81ED-4DB2-BD59-A6C34878D82A}">
-                    <a16:rowId xmlns:a16="http://schemas.microsoft.com/office/drawing/2014/main" xmlns="" val="10002"/>
+                    <a16:rowId xmlns="" xmlns:a16="http://schemas.microsoft.com/office/drawing/2014/main" val="10002"/>
                   </a:ext>
                 </a:extLst>
               </a:tr>
@@ -26030,7 +25421,7 @@
                 </a:tc>
                 <a:extLst>
                   <a:ext uri="{0D108BD9-81ED-4DB2-BD59-A6C34878D82A}">
-                    <a16:rowId xmlns:a16="http://schemas.microsoft.com/office/drawing/2014/main" xmlns="" val="10003"/>
+                    <a16:rowId xmlns="" xmlns:a16="http://schemas.microsoft.com/office/drawing/2014/main" val="10003"/>
                   </a:ext>
                 </a:extLst>
               </a:tr>
@@ -26215,7 +25606,7 @@
                 </a:tc>
                 <a:extLst>
                   <a:ext uri="{0D108BD9-81ED-4DB2-BD59-A6C34878D82A}">
-                    <a16:rowId xmlns:a16="http://schemas.microsoft.com/office/drawing/2014/main" xmlns="" val="10004"/>
+                    <a16:rowId xmlns="" xmlns:a16="http://schemas.microsoft.com/office/drawing/2014/main" val="10004"/>
                   </a:ext>
                 </a:extLst>
               </a:tr>
@@ -26403,7 +25794,7 @@
                 </a:tc>
                 <a:extLst>
                   <a:ext uri="{0D108BD9-81ED-4DB2-BD59-A6C34878D82A}">
-                    <a16:rowId xmlns:a16="http://schemas.microsoft.com/office/drawing/2014/main" xmlns="" val="10005"/>
+                    <a16:rowId xmlns="" xmlns:a16="http://schemas.microsoft.com/office/drawing/2014/main" val="10005"/>
                   </a:ext>
                 </a:extLst>
               </a:tr>
@@ -26588,7 +25979,7 @@
                 </a:tc>
                 <a:extLst>
                   <a:ext uri="{0D108BD9-81ED-4DB2-BD59-A6C34878D82A}">
-                    <a16:rowId xmlns:a16="http://schemas.microsoft.com/office/drawing/2014/main" xmlns="" val="10006"/>
+                    <a16:rowId xmlns="" xmlns:a16="http://schemas.microsoft.com/office/drawing/2014/main" val="10006"/>
                   </a:ext>
                 </a:extLst>
               </a:tr>
@@ -26770,7 +26161,7 @@
                 </a:tc>
                 <a:extLst>
                   <a:ext uri="{0D108BD9-81ED-4DB2-BD59-A6C34878D82A}">
-                    <a16:rowId xmlns:a16="http://schemas.microsoft.com/office/drawing/2014/main" xmlns="" val="10007"/>
+                    <a16:rowId xmlns="" xmlns:a16="http://schemas.microsoft.com/office/drawing/2014/main" val="10007"/>
                   </a:ext>
                 </a:extLst>
               </a:tr>
@@ -26935,7 +26326,7 @@
                 </a:tc>
                 <a:extLst>
                   <a:ext uri="{0D108BD9-81ED-4DB2-BD59-A6C34878D82A}">
-                    <a16:rowId xmlns:a16="http://schemas.microsoft.com/office/drawing/2014/main" xmlns="" val="10008"/>
+                    <a16:rowId xmlns="" xmlns:a16="http://schemas.microsoft.com/office/drawing/2014/main" val="10008"/>
                   </a:ext>
                 </a:extLst>
               </a:tr>
@@ -27081,7 +26472,7 @@
                 </a:tc>
                 <a:extLst>
                   <a:ext uri="{0D108BD9-81ED-4DB2-BD59-A6C34878D82A}">
-                    <a16:rowId xmlns:a16="http://schemas.microsoft.com/office/drawing/2014/main" xmlns="" val="1324333913"/>
+                    <a16:rowId xmlns="" xmlns:a16="http://schemas.microsoft.com/office/drawing/2014/main" val="1324333913"/>
                   </a:ext>
                 </a:extLst>
               </a:tr>
@@ -27231,7 +26622,7 @@
                 </a:tc>
                 <a:extLst>
                   <a:ext uri="{0D108BD9-81ED-4DB2-BD59-A6C34878D82A}">
-                    <a16:rowId xmlns:a16="http://schemas.microsoft.com/office/drawing/2014/main" xmlns="" val="1727322289"/>
+                    <a16:rowId xmlns="" xmlns:a16="http://schemas.microsoft.com/office/drawing/2014/main" val="1727322289"/>
                   </a:ext>
                 </a:extLst>
               </a:tr>
@@ -27381,7 +26772,7 @@
                 </a:tc>
                 <a:extLst>
                   <a:ext uri="{0D108BD9-81ED-4DB2-BD59-A6C34878D82A}">
-                    <a16:rowId xmlns:a16="http://schemas.microsoft.com/office/drawing/2014/main" xmlns="" val="1732334936"/>
+                    <a16:rowId xmlns="" xmlns:a16="http://schemas.microsoft.com/office/drawing/2014/main" val="1732334936"/>
                   </a:ext>
                 </a:extLst>
               </a:tr>
@@ -27542,7 +26933,7 @@
                 </a:tc>
                 <a:extLst>
                   <a:ext uri="{0D108BD9-81ED-4DB2-BD59-A6C34878D82A}">
-                    <a16:rowId xmlns:a16="http://schemas.microsoft.com/office/drawing/2014/main" xmlns="" val="3887831580"/>
+                    <a16:rowId xmlns="" xmlns:a16="http://schemas.microsoft.com/office/drawing/2014/main" val="3887831580"/>
                   </a:ext>
                 </a:extLst>
               </a:tr>
@@ -27692,7 +27083,7 @@
                 </a:tc>
                 <a:extLst>
                   <a:ext uri="{0D108BD9-81ED-4DB2-BD59-A6C34878D82A}">
-                    <a16:rowId xmlns:a16="http://schemas.microsoft.com/office/drawing/2014/main" xmlns="" val="2397129623"/>
+                    <a16:rowId xmlns="" xmlns:a16="http://schemas.microsoft.com/office/drawing/2014/main" val="2397129623"/>
                   </a:ext>
                 </a:extLst>
               </a:tr>
@@ -27704,6 +27095,787 @@
     <p:extLst>
       <p:ext uri="{BB962C8B-B14F-4D97-AF65-F5344CB8AC3E}">
         <p14:creationId xmlns:p14="http://schemas.microsoft.com/office/powerpoint/2010/main" val="3141877919"/>
+      </p:ext>
+    </p:extLst>
+  </p:cSld>
+  <p:clrMapOvr>
+    <a:masterClrMapping/>
+  </p:clrMapOvr>
+</p:sld>
+</file>
+
+<file path=ppt/slides/slide19.xml><?xml version="1.0" encoding="utf-8"?>
+<p:sld xmlns:a="http://schemas.openxmlformats.org/drawingml/2006/main" xmlns:r="http://schemas.openxmlformats.org/officeDocument/2006/relationships" xmlns:p="http://schemas.openxmlformats.org/presentationml/2006/main">
+  <p:cSld>
+    <p:spTree>
+      <p:nvGrpSpPr>
+        <p:cNvPr id="1" name="Shape 101"/>
+        <p:cNvGrpSpPr/>
+        <p:nvPr/>
+      </p:nvGrpSpPr>
+      <p:grpSpPr>
+        <a:xfrm>
+          <a:off x="0" y="0"/>
+          <a:ext cx="0" cy="0"/>
+          <a:chOff x="0" y="0"/>
+          <a:chExt cx="0" cy="0"/>
+        </a:xfrm>
+      </p:grpSpPr>
+      <p:sp>
+        <p:nvSpPr>
+          <p:cNvPr id="102" name="Google Shape;102;p18"/>
+          <p:cNvSpPr txBox="1">
+            <a:spLocks noGrp="1"/>
+          </p:cNvSpPr>
+          <p:nvPr>
+            <p:ph type="ctrTitle" idx="4294967295"/>
+          </p:nvPr>
+        </p:nvSpPr>
+        <p:spPr>
+          <a:xfrm>
+            <a:off x="0" y="2211710"/>
+            <a:ext cx="9144000" cy="1159800"/>
+          </a:xfrm>
+          <a:prstGeom prst="rect">
+            <a:avLst/>
+          </a:prstGeom>
+        </p:spPr>
+        <p:txBody>
+          <a:bodyPr spcFirstLastPara="1" wrap="square" lIns="91425" tIns="91425" rIns="91425" bIns="91425" anchor="t" anchorCtr="0">
+            <a:noAutofit/>
+          </a:bodyPr>
+          <a:lstStyle/>
+          <a:p>
+            <a:pPr marL="0" lvl="0" indent="0" algn="ctr" rtl="0">
+              <a:spcBef>
+                <a:spcPts val="0"/>
+              </a:spcBef>
+              <a:spcAft>
+                <a:spcPts val="0"/>
+              </a:spcAft>
+              <a:buNone/>
+            </a:pPr>
+            <a:r>
+              <a:rPr lang="en-US" altLang="ko-KR" sz="4000" dirty="0">
+                <a:solidFill>
+                  <a:srgbClr val="FF9E00"/>
+                </a:solidFill>
+                <a:latin typeface="나눔바른고딕" panose="020B0603020101020101" pitchFamily="50" charset="-127"/>
+                <a:ea typeface="나눔바른고딕" panose="020B0603020101020101" pitchFamily="50" charset="-127"/>
+              </a:rPr>
+              <a:t>8</a:t>
+            </a:r>
+            <a:r>
+              <a:rPr lang="en-US" altLang="ko-KR" sz="4000" dirty="0" smtClean="0">
+                <a:solidFill>
+                  <a:srgbClr val="FF9E00"/>
+                </a:solidFill>
+                <a:latin typeface="나눔바른고딕" panose="020B0603020101020101" pitchFamily="50" charset="-127"/>
+                <a:ea typeface="나눔바른고딕" panose="020B0603020101020101" pitchFamily="50" charset="-127"/>
+              </a:rPr>
+              <a:t>. </a:t>
+            </a:r>
+            <a:r>
+              <a:rPr lang="ko-KR" altLang="en-US" sz="4000" dirty="0">
+                <a:solidFill>
+                  <a:srgbClr val="FF9E00"/>
+                </a:solidFill>
+                <a:latin typeface="나눔바른고딕" panose="020B0603020101020101" pitchFamily="50" charset="-127"/>
+                <a:ea typeface="나눔바른고딕" panose="020B0603020101020101" pitchFamily="50" charset="-127"/>
+              </a:rPr>
+              <a:t>이번 주 </a:t>
+            </a:r>
+            <a:r>
+              <a:rPr lang="en-US" altLang="ko-KR" sz="4000" dirty="0" err="1">
+                <a:solidFill>
+                  <a:srgbClr val="FF9E00"/>
+                </a:solidFill>
+                <a:latin typeface="나눔바른고딕" panose="020B0603020101020101" pitchFamily="50" charset="-127"/>
+                <a:ea typeface="나눔바른고딕" panose="020B0603020101020101" pitchFamily="50" charset="-127"/>
+              </a:rPr>
+              <a:t>FeedBack</a:t>
+            </a:r>
+            <a:endParaRPr sz="4000" dirty="0">
+              <a:solidFill>
+                <a:srgbClr val="FF9E00"/>
+              </a:solidFill>
+              <a:latin typeface="나눔바른고딕" panose="020B0603020101020101" pitchFamily="50" charset="-127"/>
+              <a:ea typeface="나눔바른고딕" panose="020B0603020101020101" pitchFamily="50" charset="-127"/>
+            </a:endParaRPr>
+          </a:p>
+        </p:txBody>
+      </p:sp>
+      <p:grpSp>
+        <p:nvGrpSpPr>
+          <p:cNvPr id="104" name="Google Shape;104;p18"/>
+          <p:cNvGrpSpPr/>
+          <p:nvPr/>
+        </p:nvGrpSpPr>
+        <p:grpSpPr>
+          <a:xfrm>
+            <a:off x="4233487" y="499000"/>
+            <a:ext cx="677029" cy="1103729"/>
+            <a:chOff x="6730350" y="2315900"/>
+            <a:chExt cx="257700" cy="420100"/>
+          </a:xfrm>
+        </p:grpSpPr>
+        <p:sp>
+          <p:nvSpPr>
+            <p:cNvPr id="105" name="Google Shape;105;p18"/>
+            <p:cNvSpPr/>
+            <p:nvPr/>
+          </p:nvSpPr>
+          <p:spPr>
+            <a:xfrm>
+              <a:off x="6807900" y="2671250"/>
+              <a:ext cx="102600" cy="22625"/>
+            </a:xfrm>
+            <a:custGeom>
+              <a:avLst/>
+              <a:gdLst/>
+              <a:ahLst/>
+              <a:cxnLst/>
+              <a:rect l="l" t="t" r="r" b="b"/>
+              <a:pathLst>
+                <a:path w="4104" h="905" extrusionOk="0">
+                  <a:moveTo>
+                    <a:pt x="1" y="1"/>
+                  </a:moveTo>
+                  <a:lnTo>
+                    <a:pt x="1" y="905"/>
+                  </a:lnTo>
+                  <a:lnTo>
+                    <a:pt x="4104" y="905"/>
+                  </a:lnTo>
+                  <a:lnTo>
+                    <a:pt x="4104" y="1"/>
+                  </a:lnTo>
+                  <a:close/>
+                </a:path>
+              </a:pathLst>
+            </a:custGeom>
+            <a:solidFill>
+              <a:srgbClr val="FF9E00"/>
+            </a:solidFill>
+            <a:ln>
+              <a:noFill/>
+            </a:ln>
+          </p:spPr>
+          <p:txBody>
+            <a:bodyPr spcFirstLastPara="1" wrap="square" lIns="91425" tIns="91425" rIns="91425" bIns="91425" anchor="ctr" anchorCtr="0">
+              <a:noAutofit/>
+            </a:bodyPr>
+            <a:lstStyle/>
+            <a:p>
+              <a:pPr marL="0" lvl="0" indent="0" algn="l" rtl="0">
+                <a:spcBef>
+                  <a:spcPts val="0"/>
+                </a:spcBef>
+                <a:spcAft>
+                  <a:spcPts val="0"/>
+                </a:spcAft>
+                <a:buNone/>
+              </a:pPr>
+              <a:endParaRPr>
+                <a:solidFill>
+                  <a:srgbClr val="FFFFFF"/>
+                </a:solidFill>
+              </a:endParaRPr>
+            </a:p>
+          </p:txBody>
+        </p:sp>
+        <p:sp>
+          <p:nvSpPr>
+            <p:cNvPr id="106" name="Google Shape;106;p18"/>
+            <p:cNvSpPr/>
+            <p:nvPr/>
+          </p:nvSpPr>
+          <p:spPr>
+            <a:xfrm>
+              <a:off x="6807900" y="2636450"/>
+              <a:ext cx="102600" cy="22625"/>
+            </a:xfrm>
+            <a:custGeom>
+              <a:avLst/>
+              <a:gdLst/>
+              <a:ahLst/>
+              <a:cxnLst/>
+              <a:rect l="l" t="t" r="r" b="b"/>
+              <a:pathLst>
+                <a:path w="4104" h="905" extrusionOk="0">
+                  <a:moveTo>
+                    <a:pt x="1" y="1"/>
+                  </a:moveTo>
+                  <a:lnTo>
+                    <a:pt x="1" y="905"/>
+                  </a:lnTo>
+                  <a:lnTo>
+                    <a:pt x="4104" y="905"/>
+                  </a:lnTo>
+                  <a:lnTo>
+                    <a:pt x="4104" y="1"/>
+                  </a:lnTo>
+                  <a:close/>
+                </a:path>
+              </a:pathLst>
+            </a:custGeom>
+            <a:solidFill>
+              <a:srgbClr val="FF9E00"/>
+            </a:solidFill>
+            <a:ln>
+              <a:noFill/>
+            </a:ln>
+          </p:spPr>
+          <p:txBody>
+            <a:bodyPr spcFirstLastPara="1" wrap="square" lIns="91425" tIns="91425" rIns="91425" bIns="91425" anchor="ctr" anchorCtr="0">
+              <a:noAutofit/>
+            </a:bodyPr>
+            <a:lstStyle/>
+            <a:p>
+              <a:pPr marL="0" lvl="0" indent="0" algn="l" rtl="0">
+                <a:spcBef>
+                  <a:spcPts val="0"/>
+                </a:spcBef>
+                <a:spcAft>
+                  <a:spcPts val="0"/>
+                </a:spcAft>
+                <a:buNone/>
+              </a:pPr>
+              <a:endParaRPr>
+                <a:solidFill>
+                  <a:srgbClr val="FFFFFF"/>
+                </a:solidFill>
+              </a:endParaRPr>
+            </a:p>
+          </p:txBody>
+        </p:sp>
+        <p:sp>
+          <p:nvSpPr>
+            <p:cNvPr id="107" name="Google Shape;107;p18"/>
+            <p:cNvSpPr/>
+            <p:nvPr/>
+          </p:nvSpPr>
+          <p:spPr>
+            <a:xfrm>
+              <a:off x="6807900" y="2706075"/>
+              <a:ext cx="102600" cy="29925"/>
+            </a:xfrm>
+            <a:custGeom>
+              <a:avLst/>
+              <a:gdLst/>
+              <a:ahLst/>
+              <a:cxnLst/>
+              <a:rect l="l" t="t" r="r" b="b"/>
+              <a:pathLst>
+                <a:path w="4104" h="1197" extrusionOk="0">
+                  <a:moveTo>
+                    <a:pt x="1" y="0"/>
+                  </a:moveTo>
+                  <a:lnTo>
+                    <a:pt x="1" y="171"/>
+                  </a:lnTo>
+                  <a:lnTo>
+                    <a:pt x="25" y="318"/>
+                  </a:lnTo>
+                  <a:lnTo>
+                    <a:pt x="98" y="464"/>
+                  </a:lnTo>
+                  <a:lnTo>
+                    <a:pt x="196" y="586"/>
+                  </a:lnTo>
+                  <a:lnTo>
+                    <a:pt x="343" y="660"/>
+                  </a:lnTo>
+                  <a:lnTo>
+                    <a:pt x="1881" y="1172"/>
+                  </a:lnTo>
+                  <a:lnTo>
+                    <a:pt x="2052" y="1197"/>
+                  </a:lnTo>
+                  <a:lnTo>
+                    <a:pt x="2223" y="1172"/>
+                  </a:lnTo>
+                  <a:lnTo>
+                    <a:pt x="3762" y="660"/>
+                  </a:lnTo>
+                  <a:lnTo>
+                    <a:pt x="3908" y="586"/>
+                  </a:lnTo>
+                  <a:lnTo>
+                    <a:pt x="4006" y="464"/>
+                  </a:lnTo>
+                  <a:lnTo>
+                    <a:pt x="4079" y="318"/>
+                  </a:lnTo>
+                  <a:lnTo>
+                    <a:pt x="4104" y="171"/>
+                  </a:lnTo>
+                  <a:lnTo>
+                    <a:pt x="4104" y="0"/>
+                  </a:lnTo>
+                  <a:close/>
+                </a:path>
+              </a:pathLst>
+            </a:custGeom>
+            <a:solidFill>
+              <a:srgbClr val="FF9E00"/>
+            </a:solidFill>
+            <a:ln>
+              <a:noFill/>
+            </a:ln>
+          </p:spPr>
+          <p:txBody>
+            <a:bodyPr spcFirstLastPara="1" wrap="square" lIns="91425" tIns="91425" rIns="91425" bIns="91425" anchor="ctr" anchorCtr="0">
+              <a:noAutofit/>
+            </a:bodyPr>
+            <a:lstStyle/>
+            <a:p>
+              <a:pPr marL="0" lvl="0" indent="0" algn="l" rtl="0">
+                <a:spcBef>
+                  <a:spcPts val="0"/>
+                </a:spcBef>
+                <a:spcAft>
+                  <a:spcPts val="0"/>
+                </a:spcAft>
+                <a:buNone/>
+              </a:pPr>
+              <a:endParaRPr>
+                <a:solidFill>
+                  <a:srgbClr val="FFFFFF"/>
+                </a:solidFill>
+              </a:endParaRPr>
+            </a:p>
+          </p:txBody>
+        </p:sp>
+        <p:sp>
+          <p:nvSpPr>
+            <p:cNvPr id="108" name="Google Shape;108;p18"/>
+            <p:cNvSpPr/>
+            <p:nvPr/>
+          </p:nvSpPr>
+          <p:spPr>
+            <a:xfrm>
+              <a:off x="6811575" y="2463675"/>
+              <a:ext cx="95275" cy="160600"/>
+            </a:xfrm>
+            <a:custGeom>
+              <a:avLst/>
+              <a:gdLst/>
+              <a:ahLst/>
+              <a:cxnLst/>
+              <a:rect l="l" t="t" r="r" b="b"/>
+              <a:pathLst>
+                <a:path w="3811" h="6424" extrusionOk="0">
+                  <a:moveTo>
+                    <a:pt x="1905" y="0"/>
+                  </a:moveTo>
+                  <a:lnTo>
+                    <a:pt x="928" y="831"/>
+                  </a:lnTo>
+                  <a:lnTo>
+                    <a:pt x="855" y="879"/>
+                  </a:lnTo>
+                  <a:lnTo>
+                    <a:pt x="782" y="904"/>
+                  </a:lnTo>
+                  <a:lnTo>
+                    <a:pt x="684" y="879"/>
+                  </a:lnTo>
+                  <a:lnTo>
+                    <a:pt x="611" y="831"/>
+                  </a:lnTo>
+                  <a:lnTo>
+                    <a:pt x="0" y="318"/>
+                  </a:lnTo>
+                  <a:lnTo>
+                    <a:pt x="1319" y="6423"/>
+                  </a:lnTo>
+                  <a:lnTo>
+                    <a:pt x="2491" y="6423"/>
+                  </a:lnTo>
+                  <a:lnTo>
+                    <a:pt x="3810" y="318"/>
+                  </a:lnTo>
+                  <a:lnTo>
+                    <a:pt x="3200" y="831"/>
+                  </a:lnTo>
+                  <a:lnTo>
+                    <a:pt x="3126" y="879"/>
+                  </a:lnTo>
+                  <a:lnTo>
+                    <a:pt x="3029" y="904"/>
+                  </a:lnTo>
+                  <a:lnTo>
+                    <a:pt x="2955" y="879"/>
+                  </a:lnTo>
+                  <a:lnTo>
+                    <a:pt x="2882" y="831"/>
+                  </a:lnTo>
+                  <a:lnTo>
+                    <a:pt x="1905" y="0"/>
+                  </a:lnTo>
+                  <a:close/>
+                </a:path>
+              </a:pathLst>
+            </a:custGeom>
+            <a:solidFill>
+              <a:srgbClr val="FF9E00"/>
+            </a:solidFill>
+            <a:ln>
+              <a:noFill/>
+            </a:ln>
+          </p:spPr>
+          <p:txBody>
+            <a:bodyPr spcFirstLastPara="1" wrap="square" lIns="91425" tIns="91425" rIns="91425" bIns="91425" anchor="ctr" anchorCtr="0">
+              <a:noAutofit/>
+            </a:bodyPr>
+            <a:lstStyle/>
+            <a:p>
+              <a:pPr marL="0" lvl="0" indent="0" algn="l" rtl="0">
+                <a:spcBef>
+                  <a:spcPts val="0"/>
+                </a:spcBef>
+                <a:spcAft>
+                  <a:spcPts val="0"/>
+                </a:spcAft>
+                <a:buNone/>
+              </a:pPr>
+              <a:endParaRPr>
+                <a:solidFill>
+                  <a:srgbClr val="FFFFFF"/>
+                </a:solidFill>
+              </a:endParaRPr>
+            </a:p>
+          </p:txBody>
+        </p:sp>
+        <p:sp>
+          <p:nvSpPr>
+            <p:cNvPr id="109" name="Google Shape;109;p18"/>
+            <p:cNvSpPr/>
+            <p:nvPr/>
+          </p:nvSpPr>
+          <p:spPr>
+            <a:xfrm>
+              <a:off x="6730350" y="2315900"/>
+              <a:ext cx="257700" cy="308375"/>
+            </a:xfrm>
+            <a:custGeom>
+              <a:avLst/>
+              <a:gdLst/>
+              <a:ahLst/>
+              <a:cxnLst/>
+              <a:rect l="l" t="t" r="r" b="b"/>
+              <a:pathLst>
+                <a:path w="10308" h="12335" extrusionOk="0">
+                  <a:moveTo>
+                    <a:pt x="5154" y="1"/>
+                  </a:moveTo>
+                  <a:lnTo>
+                    <a:pt x="4617" y="25"/>
+                  </a:lnTo>
+                  <a:lnTo>
+                    <a:pt x="4128" y="98"/>
+                  </a:lnTo>
+                  <a:lnTo>
+                    <a:pt x="3615" y="245"/>
+                  </a:lnTo>
+                  <a:lnTo>
+                    <a:pt x="3151" y="416"/>
+                  </a:lnTo>
+                  <a:lnTo>
+                    <a:pt x="2712" y="636"/>
+                  </a:lnTo>
+                  <a:lnTo>
+                    <a:pt x="2272" y="880"/>
+                  </a:lnTo>
+                  <a:lnTo>
+                    <a:pt x="1881" y="1173"/>
+                  </a:lnTo>
+                  <a:lnTo>
+                    <a:pt x="1515" y="1515"/>
+                  </a:lnTo>
+                  <a:lnTo>
+                    <a:pt x="1198" y="1881"/>
+                  </a:lnTo>
+                  <a:lnTo>
+                    <a:pt x="880" y="2272"/>
+                  </a:lnTo>
+                  <a:lnTo>
+                    <a:pt x="636" y="2687"/>
+                  </a:lnTo>
+                  <a:lnTo>
+                    <a:pt x="416" y="3151"/>
+                  </a:lnTo>
+                  <a:lnTo>
+                    <a:pt x="245" y="3615"/>
+                  </a:lnTo>
+                  <a:lnTo>
+                    <a:pt x="123" y="4104"/>
+                  </a:lnTo>
+                  <a:lnTo>
+                    <a:pt x="50" y="4617"/>
+                  </a:lnTo>
+                  <a:lnTo>
+                    <a:pt x="1" y="5154"/>
+                  </a:lnTo>
+                  <a:lnTo>
+                    <a:pt x="25" y="5423"/>
+                  </a:lnTo>
+                  <a:lnTo>
+                    <a:pt x="50" y="5691"/>
+                  </a:lnTo>
+                  <a:lnTo>
+                    <a:pt x="123" y="6204"/>
+                  </a:lnTo>
+                  <a:lnTo>
+                    <a:pt x="245" y="6693"/>
+                  </a:lnTo>
+                  <a:lnTo>
+                    <a:pt x="416" y="7132"/>
+                  </a:lnTo>
+                  <a:lnTo>
+                    <a:pt x="636" y="7572"/>
+                  </a:lnTo>
+                  <a:lnTo>
+                    <a:pt x="856" y="7963"/>
+                  </a:lnTo>
+                  <a:lnTo>
+                    <a:pt x="1100" y="8353"/>
+                  </a:lnTo>
+                  <a:lnTo>
+                    <a:pt x="1369" y="8744"/>
+                  </a:lnTo>
+                  <a:lnTo>
+                    <a:pt x="1906" y="9526"/>
+                  </a:lnTo>
+                  <a:lnTo>
+                    <a:pt x="2150" y="9941"/>
+                  </a:lnTo>
+                  <a:lnTo>
+                    <a:pt x="2394" y="10356"/>
+                  </a:lnTo>
+                  <a:lnTo>
+                    <a:pt x="2614" y="10796"/>
+                  </a:lnTo>
+                  <a:lnTo>
+                    <a:pt x="2810" y="11284"/>
+                  </a:lnTo>
+                  <a:lnTo>
+                    <a:pt x="2980" y="11797"/>
+                  </a:lnTo>
+                  <a:lnTo>
+                    <a:pt x="3103" y="12334"/>
+                  </a:lnTo>
+                  <a:lnTo>
+                    <a:pt x="4079" y="12334"/>
+                  </a:lnTo>
+                  <a:lnTo>
+                    <a:pt x="3249" y="8500"/>
+                  </a:lnTo>
+                  <a:lnTo>
+                    <a:pt x="2663" y="5642"/>
+                  </a:lnTo>
+                  <a:lnTo>
+                    <a:pt x="2663" y="5520"/>
+                  </a:lnTo>
+                  <a:lnTo>
+                    <a:pt x="2712" y="5423"/>
+                  </a:lnTo>
+                  <a:lnTo>
+                    <a:pt x="2785" y="5374"/>
+                  </a:lnTo>
+                  <a:lnTo>
+                    <a:pt x="2883" y="5349"/>
+                  </a:lnTo>
+                  <a:lnTo>
+                    <a:pt x="2956" y="5349"/>
+                  </a:lnTo>
+                  <a:lnTo>
+                    <a:pt x="3054" y="5398"/>
+                  </a:lnTo>
+                  <a:lnTo>
+                    <a:pt x="4031" y="6253"/>
+                  </a:lnTo>
+                  <a:lnTo>
+                    <a:pt x="4983" y="5398"/>
+                  </a:lnTo>
+                  <a:lnTo>
+                    <a:pt x="5081" y="5349"/>
+                  </a:lnTo>
+                  <a:lnTo>
+                    <a:pt x="5227" y="5349"/>
+                  </a:lnTo>
+                  <a:lnTo>
+                    <a:pt x="5325" y="5398"/>
+                  </a:lnTo>
+                  <a:lnTo>
+                    <a:pt x="6278" y="6253"/>
+                  </a:lnTo>
+                  <a:lnTo>
+                    <a:pt x="7254" y="5398"/>
+                  </a:lnTo>
+                  <a:lnTo>
+                    <a:pt x="7352" y="5349"/>
+                  </a:lnTo>
+                  <a:lnTo>
+                    <a:pt x="7425" y="5349"/>
+                  </a:lnTo>
+                  <a:lnTo>
+                    <a:pt x="7523" y="5374"/>
+                  </a:lnTo>
+                  <a:lnTo>
+                    <a:pt x="7596" y="5423"/>
+                  </a:lnTo>
+                  <a:lnTo>
+                    <a:pt x="7645" y="5520"/>
+                  </a:lnTo>
+                  <a:lnTo>
+                    <a:pt x="7645" y="5642"/>
+                  </a:lnTo>
+                  <a:lnTo>
+                    <a:pt x="7059" y="8500"/>
+                  </a:lnTo>
+                  <a:lnTo>
+                    <a:pt x="6229" y="12334"/>
+                  </a:lnTo>
+                  <a:lnTo>
+                    <a:pt x="7206" y="12334"/>
+                  </a:lnTo>
+                  <a:lnTo>
+                    <a:pt x="7328" y="11797"/>
+                  </a:lnTo>
+                  <a:lnTo>
+                    <a:pt x="7499" y="11284"/>
+                  </a:lnTo>
+                  <a:lnTo>
+                    <a:pt x="7694" y="10796"/>
+                  </a:lnTo>
+                  <a:lnTo>
+                    <a:pt x="7914" y="10356"/>
+                  </a:lnTo>
+                  <a:lnTo>
+                    <a:pt x="8158" y="9941"/>
+                  </a:lnTo>
+                  <a:lnTo>
+                    <a:pt x="8402" y="9526"/>
+                  </a:lnTo>
+                  <a:lnTo>
+                    <a:pt x="8940" y="8744"/>
+                  </a:lnTo>
+                  <a:lnTo>
+                    <a:pt x="9208" y="8353"/>
+                  </a:lnTo>
+                  <a:lnTo>
+                    <a:pt x="9453" y="7963"/>
+                  </a:lnTo>
+                  <a:lnTo>
+                    <a:pt x="9672" y="7572"/>
+                  </a:lnTo>
+                  <a:lnTo>
+                    <a:pt x="9892" y="7132"/>
+                  </a:lnTo>
+                  <a:lnTo>
+                    <a:pt x="10063" y="6693"/>
+                  </a:lnTo>
+                  <a:lnTo>
+                    <a:pt x="10185" y="6204"/>
+                  </a:lnTo>
+                  <a:lnTo>
+                    <a:pt x="10259" y="5691"/>
+                  </a:lnTo>
+                  <a:lnTo>
+                    <a:pt x="10283" y="5423"/>
+                  </a:lnTo>
+                  <a:lnTo>
+                    <a:pt x="10307" y="5154"/>
+                  </a:lnTo>
+                  <a:lnTo>
+                    <a:pt x="10259" y="4617"/>
+                  </a:lnTo>
+                  <a:lnTo>
+                    <a:pt x="10185" y="4104"/>
+                  </a:lnTo>
+                  <a:lnTo>
+                    <a:pt x="10063" y="3615"/>
+                  </a:lnTo>
+                  <a:lnTo>
+                    <a:pt x="9892" y="3151"/>
+                  </a:lnTo>
+                  <a:lnTo>
+                    <a:pt x="9672" y="2687"/>
+                  </a:lnTo>
+                  <a:lnTo>
+                    <a:pt x="9428" y="2272"/>
+                  </a:lnTo>
+                  <a:lnTo>
+                    <a:pt x="9111" y="1881"/>
+                  </a:lnTo>
+                  <a:lnTo>
+                    <a:pt x="8793" y="1515"/>
+                  </a:lnTo>
+                  <a:lnTo>
+                    <a:pt x="8427" y="1173"/>
+                  </a:lnTo>
+                  <a:lnTo>
+                    <a:pt x="8036" y="880"/>
+                  </a:lnTo>
+                  <a:lnTo>
+                    <a:pt x="7596" y="636"/>
+                  </a:lnTo>
+                  <a:lnTo>
+                    <a:pt x="7157" y="416"/>
+                  </a:lnTo>
+                  <a:lnTo>
+                    <a:pt x="6693" y="245"/>
+                  </a:lnTo>
+                  <a:lnTo>
+                    <a:pt x="6180" y="98"/>
+                  </a:lnTo>
+                  <a:lnTo>
+                    <a:pt x="5691" y="25"/>
+                  </a:lnTo>
+                  <a:lnTo>
+                    <a:pt x="5154" y="1"/>
+                  </a:lnTo>
+                  <a:close/>
+                </a:path>
+              </a:pathLst>
+            </a:custGeom>
+            <a:solidFill>
+              <a:srgbClr val="FF9E00"/>
+            </a:solidFill>
+            <a:ln>
+              <a:noFill/>
+            </a:ln>
+          </p:spPr>
+          <p:txBody>
+            <a:bodyPr spcFirstLastPara="1" wrap="square" lIns="91425" tIns="91425" rIns="91425" bIns="91425" anchor="ctr" anchorCtr="0">
+              <a:noAutofit/>
+            </a:bodyPr>
+            <a:lstStyle/>
+            <a:p>
+              <a:pPr marL="0" lvl="0" indent="0" algn="l" rtl="0">
+                <a:spcBef>
+                  <a:spcPts val="0"/>
+                </a:spcBef>
+                <a:spcAft>
+                  <a:spcPts val="0"/>
+                </a:spcAft>
+                <a:buNone/>
+              </a:pPr>
+              <a:endParaRPr>
+                <a:solidFill>
+                  <a:srgbClr val="FFFFFF"/>
+                </a:solidFill>
+              </a:endParaRPr>
+            </a:p>
+          </p:txBody>
+        </p:sp>
+      </p:grpSp>
+    </p:spTree>
+    <p:extLst>
+      <p:ext uri="{BB962C8B-B14F-4D97-AF65-F5344CB8AC3E}">
+        <p14:creationId xmlns:p14="http://schemas.microsoft.com/office/powerpoint/2010/main" val="2620241389"/>
       </p:ext>
     </p:extLst>
   </p:cSld>
@@ -29065,787 +29237,6 @@
 <file path=ppt/slides/slide20.xml><?xml version="1.0" encoding="utf-8"?>
 <p:sld xmlns:a="http://schemas.openxmlformats.org/drawingml/2006/main" xmlns:r="http://schemas.openxmlformats.org/officeDocument/2006/relationships" xmlns:p="http://schemas.openxmlformats.org/presentationml/2006/main">
   <p:cSld>
-    <p:spTree>
-      <p:nvGrpSpPr>
-        <p:cNvPr id="1" name="Shape 101"/>
-        <p:cNvGrpSpPr/>
-        <p:nvPr/>
-      </p:nvGrpSpPr>
-      <p:grpSpPr>
-        <a:xfrm>
-          <a:off x="0" y="0"/>
-          <a:ext cx="0" cy="0"/>
-          <a:chOff x="0" y="0"/>
-          <a:chExt cx="0" cy="0"/>
-        </a:xfrm>
-      </p:grpSpPr>
-      <p:sp>
-        <p:nvSpPr>
-          <p:cNvPr id="102" name="Google Shape;102;p18"/>
-          <p:cNvSpPr txBox="1">
-            <a:spLocks noGrp="1"/>
-          </p:cNvSpPr>
-          <p:nvPr>
-            <p:ph type="ctrTitle" idx="4294967295"/>
-          </p:nvPr>
-        </p:nvSpPr>
-        <p:spPr>
-          <a:xfrm>
-            <a:off x="0" y="2211710"/>
-            <a:ext cx="9144000" cy="1159800"/>
-          </a:xfrm>
-          <a:prstGeom prst="rect">
-            <a:avLst/>
-          </a:prstGeom>
-        </p:spPr>
-        <p:txBody>
-          <a:bodyPr spcFirstLastPara="1" wrap="square" lIns="91425" tIns="91425" rIns="91425" bIns="91425" anchor="t" anchorCtr="0">
-            <a:noAutofit/>
-          </a:bodyPr>
-          <a:lstStyle/>
-          <a:p>
-            <a:pPr marL="0" lvl="0" indent="0" algn="ctr" rtl="0">
-              <a:spcBef>
-                <a:spcPts val="0"/>
-              </a:spcBef>
-              <a:spcAft>
-                <a:spcPts val="0"/>
-              </a:spcAft>
-              <a:buNone/>
-            </a:pPr>
-            <a:r>
-              <a:rPr lang="en-US" altLang="ko-KR" sz="4000" dirty="0">
-                <a:solidFill>
-                  <a:srgbClr val="FF9E00"/>
-                </a:solidFill>
-                <a:latin typeface="나눔바른고딕" panose="020B0603020101020101" pitchFamily="50" charset="-127"/>
-                <a:ea typeface="나눔바른고딕" panose="020B0603020101020101" pitchFamily="50" charset="-127"/>
-              </a:rPr>
-              <a:t>8</a:t>
-            </a:r>
-            <a:r>
-              <a:rPr lang="en-US" altLang="ko-KR" sz="4000" dirty="0" smtClean="0">
-                <a:solidFill>
-                  <a:srgbClr val="FF9E00"/>
-                </a:solidFill>
-                <a:latin typeface="나눔바른고딕" panose="020B0603020101020101" pitchFamily="50" charset="-127"/>
-                <a:ea typeface="나눔바른고딕" panose="020B0603020101020101" pitchFamily="50" charset="-127"/>
-              </a:rPr>
-              <a:t>. </a:t>
-            </a:r>
-            <a:r>
-              <a:rPr lang="ko-KR" altLang="en-US" sz="4000" dirty="0">
-                <a:solidFill>
-                  <a:srgbClr val="FF9E00"/>
-                </a:solidFill>
-                <a:latin typeface="나눔바른고딕" panose="020B0603020101020101" pitchFamily="50" charset="-127"/>
-                <a:ea typeface="나눔바른고딕" panose="020B0603020101020101" pitchFamily="50" charset="-127"/>
-              </a:rPr>
-              <a:t>이번 주 </a:t>
-            </a:r>
-            <a:r>
-              <a:rPr lang="en-US" altLang="ko-KR" sz="4000" dirty="0" err="1">
-                <a:solidFill>
-                  <a:srgbClr val="FF9E00"/>
-                </a:solidFill>
-                <a:latin typeface="나눔바른고딕" panose="020B0603020101020101" pitchFamily="50" charset="-127"/>
-                <a:ea typeface="나눔바른고딕" panose="020B0603020101020101" pitchFamily="50" charset="-127"/>
-              </a:rPr>
-              <a:t>FeedBack</a:t>
-            </a:r>
-            <a:endParaRPr sz="4000" dirty="0">
-              <a:solidFill>
-                <a:srgbClr val="FF9E00"/>
-              </a:solidFill>
-              <a:latin typeface="나눔바른고딕" panose="020B0603020101020101" pitchFamily="50" charset="-127"/>
-              <a:ea typeface="나눔바른고딕" panose="020B0603020101020101" pitchFamily="50" charset="-127"/>
-            </a:endParaRPr>
-          </a:p>
-        </p:txBody>
-      </p:sp>
-      <p:grpSp>
-        <p:nvGrpSpPr>
-          <p:cNvPr id="104" name="Google Shape;104;p18"/>
-          <p:cNvGrpSpPr/>
-          <p:nvPr/>
-        </p:nvGrpSpPr>
-        <p:grpSpPr>
-          <a:xfrm>
-            <a:off x="4233487" y="499000"/>
-            <a:ext cx="677029" cy="1103729"/>
-            <a:chOff x="6730350" y="2315900"/>
-            <a:chExt cx="257700" cy="420100"/>
-          </a:xfrm>
-        </p:grpSpPr>
-        <p:sp>
-          <p:nvSpPr>
-            <p:cNvPr id="105" name="Google Shape;105;p18"/>
-            <p:cNvSpPr/>
-            <p:nvPr/>
-          </p:nvSpPr>
-          <p:spPr>
-            <a:xfrm>
-              <a:off x="6807900" y="2671250"/>
-              <a:ext cx="102600" cy="22625"/>
-            </a:xfrm>
-            <a:custGeom>
-              <a:avLst/>
-              <a:gdLst/>
-              <a:ahLst/>
-              <a:cxnLst/>
-              <a:rect l="l" t="t" r="r" b="b"/>
-              <a:pathLst>
-                <a:path w="4104" h="905" extrusionOk="0">
-                  <a:moveTo>
-                    <a:pt x="1" y="1"/>
-                  </a:moveTo>
-                  <a:lnTo>
-                    <a:pt x="1" y="905"/>
-                  </a:lnTo>
-                  <a:lnTo>
-                    <a:pt x="4104" y="905"/>
-                  </a:lnTo>
-                  <a:lnTo>
-                    <a:pt x="4104" y="1"/>
-                  </a:lnTo>
-                  <a:close/>
-                </a:path>
-              </a:pathLst>
-            </a:custGeom>
-            <a:solidFill>
-              <a:srgbClr val="FF9E00"/>
-            </a:solidFill>
-            <a:ln>
-              <a:noFill/>
-            </a:ln>
-          </p:spPr>
-          <p:txBody>
-            <a:bodyPr spcFirstLastPara="1" wrap="square" lIns="91425" tIns="91425" rIns="91425" bIns="91425" anchor="ctr" anchorCtr="0">
-              <a:noAutofit/>
-            </a:bodyPr>
-            <a:lstStyle/>
-            <a:p>
-              <a:pPr marL="0" lvl="0" indent="0" algn="l" rtl="0">
-                <a:spcBef>
-                  <a:spcPts val="0"/>
-                </a:spcBef>
-                <a:spcAft>
-                  <a:spcPts val="0"/>
-                </a:spcAft>
-                <a:buNone/>
-              </a:pPr>
-              <a:endParaRPr>
-                <a:solidFill>
-                  <a:srgbClr val="FFFFFF"/>
-                </a:solidFill>
-              </a:endParaRPr>
-            </a:p>
-          </p:txBody>
-        </p:sp>
-        <p:sp>
-          <p:nvSpPr>
-            <p:cNvPr id="106" name="Google Shape;106;p18"/>
-            <p:cNvSpPr/>
-            <p:nvPr/>
-          </p:nvSpPr>
-          <p:spPr>
-            <a:xfrm>
-              <a:off x="6807900" y="2636450"/>
-              <a:ext cx="102600" cy="22625"/>
-            </a:xfrm>
-            <a:custGeom>
-              <a:avLst/>
-              <a:gdLst/>
-              <a:ahLst/>
-              <a:cxnLst/>
-              <a:rect l="l" t="t" r="r" b="b"/>
-              <a:pathLst>
-                <a:path w="4104" h="905" extrusionOk="0">
-                  <a:moveTo>
-                    <a:pt x="1" y="1"/>
-                  </a:moveTo>
-                  <a:lnTo>
-                    <a:pt x="1" y="905"/>
-                  </a:lnTo>
-                  <a:lnTo>
-                    <a:pt x="4104" y="905"/>
-                  </a:lnTo>
-                  <a:lnTo>
-                    <a:pt x="4104" y="1"/>
-                  </a:lnTo>
-                  <a:close/>
-                </a:path>
-              </a:pathLst>
-            </a:custGeom>
-            <a:solidFill>
-              <a:srgbClr val="FF9E00"/>
-            </a:solidFill>
-            <a:ln>
-              <a:noFill/>
-            </a:ln>
-          </p:spPr>
-          <p:txBody>
-            <a:bodyPr spcFirstLastPara="1" wrap="square" lIns="91425" tIns="91425" rIns="91425" bIns="91425" anchor="ctr" anchorCtr="0">
-              <a:noAutofit/>
-            </a:bodyPr>
-            <a:lstStyle/>
-            <a:p>
-              <a:pPr marL="0" lvl="0" indent="0" algn="l" rtl="0">
-                <a:spcBef>
-                  <a:spcPts val="0"/>
-                </a:spcBef>
-                <a:spcAft>
-                  <a:spcPts val="0"/>
-                </a:spcAft>
-                <a:buNone/>
-              </a:pPr>
-              <a:endParaRPr>
-                <a:solidFill>
-                  <a:srgbClr val="FFFFFF"/>
-                </a:solidFill>
-              </a:endParaRPr>
-            </a:p>
-          </p:txBody>
-        </p:sp>
-        <p:sp>
-          <p:nvSpPr>
-            <p:cNvPr id="107" name="Google Shape;107;p18"/>
-            <p:cNvSpPr/>
-            <p:nvPr/>
-          </p:nvSpPr>
-          <p:spPr>
-            <a:xfrm>
-              <a:off x="6807900" y="2706075"/>
-              <a:ext cx="102600" cy="29925"/>
-            </a:xfrm>
-            <a:custGeom>
-              <a:avLst/>
-              <a:gdLst/>
-              <a:ahLst/>
-              <a:cxnLst/>
-              <a:rect l="l" t="t" r="r" b="b"/>
-              <a:pathLst>
-                <a:path w="4104" h="1197" extrusionOk="0">
-                  <a:moveTo>
-                    <a:pt x="1" y="0"/>
-                  </a:moveTo>
-                  <a:lnTo>
-                    <a:pt x="1" y="171"/>
-                  </a:lnTo>
-                  <a:lnTo>
-                    <a:pt x="25" y="318"/>
-                  </a:lnTo>
-                  <a:lnTo>
-                    <a:pt x="98" y="464"/>
-                  </a:lnTo>
-                  <a:lnTo>
-                    <a:pt x="196" y="586"/>
-                  </a:lnTo>
-                  <a:lnTo>
-                    <a:pt x="343" y="660"/>
-                  </a:lnTo>
-                  <a:lnTo>
-                    <a:pt x="1881" y="1172"/>
-                  </a:lnTo>
-                  <a:lnTo>
-                    <a:pt x="2052" y="1197"/>
-                  </a:lnTo>
-                  <a:lnTo>
-                    <a:pt x="2223" y="1172"/>
-                  </a:lnTo>
-                  <a:lnTo>
-                    <a:pt x="3762" y="660"/>
-                  </a:lnTo>
-                  <a:lnTo>
-                    <a:pt x="3908" y="586"/>
-                  </a:lnTo>
-                  <a:lnTo>
-                    <a:pt x="4006" y="464"/>
-                  </a:lnTo>
-                  <a:lnTo>
-                    <a:pt x="4079" y="318"/>
-                  </a:lnTo>
-                  <a:lnTo>
-                    <a:pt x="4104" y="171"/>
-                  </a:lnTo>
-                  <a:lnTo>
-                    <a:pt x="4104" y="0"/>
-                  </a:lnTo>
-                  <a:close/>
-                </a:path>
-              </a:pathLst>
-            </a:custGeom>
-            <a:solidFill>
-              <a:srgbClr val="FF9E00"/>
-            </a:solidFill>
-            <a:ln>
-              <a:noFill/>
-            </a:ln>
-          </p:spPr>
-          <p:txBody>
-            <a:bodyPr spcFirstLastPara="1" wrap="square" lIns="91425" tIns="91425" rIns="91425" bIns="91425" anchor="ctr" anchorCtr="0">
-              <a:noAutofit/>
-            </a:bodyPr>
-            <a:lstStyle/>
-            <a:p>
-              <a:pPr marL="0" lvl="0" indent="0" algn="l" rtl="0">
-                <a:spcBef>
-                  <a:spcPts val="0"/>
-                </a:spcBef>
-                <a:spcAft>
-                  <a:spcPts val="0"/>
-                </a:spcAft>
-                <a:buNone/>
-              </a:pPr>
-              <a:endParaRPr>
-                <a:solidFill>
-                  <a:srgbClr val="FFFFFF"/>
-                </a:solidFill>
-              </a:endParaRPr>
-            </a:p>
-          </p:txBody>
-        </p:sp>
-        <p:sp>
-          <p:nvSpPr>
-            <p:cNvPr id="108" name="Google Shape;108;p18"/>
-            <p:cNvSpPr/>
-            <p:nvPr/>
-          </p:nvSpPr>
-          <p:spPr>
-            <a:xfrm>
-              <a:off x="6811575" y="2463675"/>
-              <a:ext cx="95275" cy="160600"/>
-            </a:xfrm>
-            <a:custGeom>
-              <a:avLst/>
-              <a:gdLst/>
-              <a:ahLst/>
-              <a:cxnLst/>
-              <a:rect l="l" t="t" r="r" b="b"/>
-              <a:pathLst>
-                <a:path w="3811" h="6424" extrusionOk="0">
-                  <a:moveTo>
-                    <a:pt x="1905" y="0"/>
-                  </a:moveTo>
-                  <a:lnTo>
-                    <a:pt x="928" y="831"/>
-                  </a:lnTo>
-                  <a:lnTo>
-                    <a:pt x="855" y="879"/>
-                  </a:lnTo>
-                  <a:lnTo>
-                    <a:pt x="782" y="904"/>
-                  </a:lnTo>
-                  <a:lnTo>
-                    <a:pt x="684" y="879"/>
-                  </a:lnTo>
-                  <a:lnTo>
-                    <a:pt x="611" y="831"/>
-                  </a:lnTo>
-                  <a:lnTo>
-                    <a:pt x="0" y="318"/>
-                  </a:lnTo>
-                  <a:lnTo>
-                    <a:pt x="1319" y="6423"/>
-                  </a:lnTo>
-                  <a:lnTo>
-                    <a:pt x="2491" y="6423"/>
-                  </a:lnTo>
-                  <a:lnTo>
-                    <a:pt x="3810" y="318"/>
-                  </a:lnTo>
-                  <a:lnTo>
-                    <a:pt x="3200" y="831"/>
-                  </a:lnTo>
-                  <a:lnTo>
-                    <a:pt x="3126" y="879"/>
-                  </a:lnTo>
-                  <a:lnTo>
-                    <a:pt x="3029" y="904"/>
-                  </a:lnTo>
-                  <a:lnTo>
-                    <a:pt x="2955" y="879"/>
-                  </a:lnTo>
-                  <a:lnTo>
-                    <a:pt x="2882" y="831"/>
-                  </a:lnTo>
-                  <a:lnTo>
-                    <a:pt x="1905" y="0"/>
-                  </a:lnTo>
-                  <a:close/>
-                </a:path>
-              </a:pathLst>
-            </a:custGeom>
-            <a:solidFill>
-              <a:srgbClr val="FF9E00"/>
-            </a:solidFill>
-            <a:ln>
-              <a:noFill/>
-            </a:ln>
-          </p:spPr>
-          <p:txBody>
-            <a:bodyPr spcFirstLastPara="1" wrap="square" lIns="91425" tIns="91425" rIns="91425" bIns="91425" anchor="ctr" anchorCtr="0">
-              <a:noAutofit/>
-            </a:bodyPr>
-            <a:lstStyle/>
-            <a:p>
-              <a:pPr marL="0" lvl="0" indent="0" algn="l" rtl="0">
-                <a:spcBef>
-                  <a:spcPts val="0"/>
-                </a:spcBef>
-                <a:spcAft>
-                  <a:spcPts val="0"/>
-                </a:spcAft>
-                <a:buNone/>
-              </a:pPr>
-              <a:endParaRPr>
-                <a:solidFill>
-                  <a:srgbClr val="FFFFFF"/>
-                </a:solidFill>
-              </a:endParaRPr>
-            </a:p>
-          </p:txBody>
-        </p:sp>
-        <p:sp>
-          <p:nvSpPr>
-            <p:cNvPr id="109" name="Google Shape;109;p18"/>
-            <p:cNvSpPr/>
-            <p:nvPr/>
-          </p:nvSpPr>
-          <p:spPr>
-            <a:xfrm>
-              <a:off x="6730350" y="2315900"/>
-              <a:ext cx="257700" cy="308375"/>
-            </a:xfrm>
-            <a:custGeom>
-              <a:avLst/>
-              <a:gdLst/>
-              <a:ahLst/>
-              <a:cxnLst/>
-              <a:rect l="l" t="t" r="r" b="b"/>
-              <a:pathLst>
-                <a:path w="10308" h="12335" extrusionOk="0">
-                  <a:moveTo>
-                    <a:pt x="5154" y="1"/>
-                  </a:moveTo>
-                  <a:lnTo>
-                    <a:pt x="4617" y="25"/>
-                  </a:lnTo>
-                  <a:lnTo>
-                    <a:pt x="4128" y="98"/>
-                  </a:lnTo>
-                  <a:lnTo>
-                    <a:pt x="3615" y="245"/>
-                  </a:lnTo>
-                  <a:lnTo>
-                    <a:pt x="3151" y="416"/>
-                  </a:lnTo>
-                  <a:lnTo>
-                    <a:pt x="2712" y="636"/>
-                  </a:lnTo>
-                  <a:lnTo>
-                    <a:pt x="2272" y="880"/>
-                  </a:lnTo>
-                  <a:lnTo>
-                    <a:pt x="1881" y="1173"/>
-                  </a:lnTo>
-                  <a:lnTo>
-                    <a:pt x="1515" y="1515"/>
-                  </a:lnTo>
-                  <a:lnTo>
-                    <a:pt x="1198" y="1881"/>
-                  </a:lnTo>
-                  <a:lnTo>
-                    <a:pt x="880" y="2272"/>
-                  </a:lnTo>
-                  <a:lnTo>
-                    <a:pt x="636" y="2687"/>
-                  </a:lnTo>
-                  <a:lnTo>
-                    <a:pt x="416" y="3151"/>
-                  </a:lnTo>
-                  <a:lnTo>
-                    <a:pt x="245" y="3615"/>
-                  </a:lnTo>
-                  <a:lnTo>
-                    <a:pt x="123" y="4104"/>
-                  </a:lnTo>
-                  <a:lnTo>
-                    <a:pt x="50" y="4617"/>
-                  </a:lnTo>
-                  <a:lnTo>
-                    <a:pt x="1" y="5154"/>
-                  </a:lnTo>
-                  <a:lnTo>
-                    <a:pt x="25" y="5423"/>
-                  </a:lnTo>
-                  <a:lnTo>
-                    <a:pt x="50" y="5691"/>
-                  </a:lnTo>
-                  <a:lnTo>
-                    <a:pt x="123" y="6204"/>
-                  </a:lnTo>
-                  <a:lnTo>
-                    <a:pt x="245" y="6693"/>
-                  </a:lnTo>
-                  <a:lnTo>
-                    <a:pt x="416" y="7132"/>
-                  </a:lnTo>
-                  <a:lnTo>
-                    <a:pt x="636" y="7572"/>
-                  </a:lnTo>
-                  <a:lnTo>
-                    <a:pt x="856" y="7963"/>
-                  </a:lnTo>
-                  <a:lnTo>
-                    <a:pt x="1100" y="8353"/>
-                  </a:lnTo>
-                  <a:lnTo>
-                    <a:pt x="1369" y="8744"/>
-                  </a:lnTo>
-                  <a:lnTo>
-                    <a:pt x="1906" y="9526"/>
-                  </a:lnTo>
-                  <a:lnTo>
-                    <a:pt x="2150" y="9941"/>
-                  </a:lnTo>
-                  <a:lnTo>
-                    <a:pt x="2394" y="10356"/>
-                  </a:lnTo>
-                  <a:lnTo>
-                    <a:pt x="2614" y="10796"/>
-                  </a:lnTo>
-                  <a:lnTo>
-                    <a:pt x="2810" y="11284"/>
-                  </a:lnTo>
-                  <a:lnTo>
-                    <a:pt x="2980" y="11797"/>
-                  </a:lnTo>
-                  <a:lnTo>
-                    <a:pt x="3103" y="12334"/>
-                  </a:lnTo>
-                  <a:lnTo>
-                    <a:pt x="4079" y="12334"/>
-                  </a:lnTo>
-                  <a:lnTo>
-                    <a:pt x="3249" y="8500"/>
-                  </a:lnTo>
-                  <a:lnTo>
-                    <a:pt x="2663" y="5642"/>
-                  </a:lnTo>
-                  <a:lnTo>
-                    <a:pt x="2663" y="5520"/>
-                  </a:lnTo>
-                  <a:lnTo>
-                    <a:pt x="2712" y="5423"/>
-                  </a:lnTo>
-                  <a:lnTo>
-                    <a:pt x="2785" y="5374"/>
-                  </a:lnTo>
-                  <a:lnTo>
-                    <a:pt x="2883" y="5349"/>
-                  </a:lnTo>
-                  <a:lnTo>
-                    <a:pt x="2956" y="5349"/>
-                  </a:lnTo>
-                  <a:lnTo>
-                    <a:pt x="3054" y="5398"/>
-                  </a:lnTo>
-                  <a:lnTo>
-                    <a:pt x="4031" y="6253"/>
-                  </a:lnTo>
-                  <a:lnTo>
-                    <a:pt x="4983" y="5398"/>
-                  </a:lnTo>
-                  <a:lnTo>
-                    <a:pt x="5081" y="5349"/>
-                  </a:lnTo>
-                  <a:lnTo>
-                    <a:pt x="5227" y="5349"/>
-                  </a:lnTo>
-                  <a:lnTo>
-                    <a:pt x="5325" y="5398"/>
-                  </a:lnTo>
-                  <a:lnTo>
-                    <a:pt x="6278" y="6253"/>
-                  </a:lnTo>
-                  <a:lnTo>
-                    <a:pt x="7254" y="5398"/>
-                  </a:lnTo>
-                  <a:lnTo>
-                    <a:pt x="7352" y="5349"/>
-                  </a:lnTo>
-                  <a:lnTo>
-                    <a:pt x="7425" y="5349"/>
-                  </a:lnTo>
-                  <a:lnTo>
-                    <a:pt x="7523" y="5374"/>
-                  </a:lnTo>
-                  <a:lnTo>
-                    <a:pt x="7596" y="5423"/>
-                  </a:lnTo>
-                  <a:lnTo>
-                    <a:pt x="7645" y="5520"/>
-                  </a:lnTo>
-                  <a:lnTo>
-                    <a:pt x="7645" y="5642"/>
-                  </a:lnTo>
-                  <a:lnTo>
-                    <a:pt x="7059" y="8500"/>
-                  </a:lnTo>
-                  <a:lnTo>
-                    <a:pt x="6229" y="12334"/>
-                  </a:lnTo>
-                  <a:lnTo>
-                    <a:pt x="7206" y="12334"/>
-                  </a:lnTo>
-                  <a:lnTo>
-                    <a:pt x="7328" y="11797"/>
-                  </a:lnTo>
-                  <a:lnTo>
-                    <a:pt x="7499" y="11284"/>
-                  </a:lnTo>
-                  <a:lnTo>
-                    <a:pt x="7694" y="10796"/>
-                  </a:lnTo>
-                  <a:lnTo>
-                    <a:pt x="7914" y="10356"/>
-                  </a:lnTo>
-                  <a:lnTo>
-                    <a:pt x="8158" y="9941"/>
-                  </a:lnTo>
-                  <a:lnTo>
-                    <a:pt x="8402" y="9526"/>
-                  </a:lnTo>
-                  <a:lnTo>
-                    <a:pt x="8940" y="8744"/>
-                  </a:lnTo>
-                  <a:lnTo>
-                    <a:pt x="9208" y="8353"/>
-                  </a:lnTo>
-                  <a:lnTo>
-                    <a:pt x="9453" y="7963"/>
-                  </a:lnTo>
-                  <a:lnTo>
-                    <a:pt x="9672" y="7572"/>
-                  </a:lnTo>
-                  <a:lnTo>
-                    <a:pt x="9892" y="7132"/>
-                  </a:lnTo>
-                  <a:lnTo>
-                    <a:pt x="10063" y="6693"/>
-                  </a:lnTo>
-                  <a:lnTo>
-                    <a:pt x="10185" y="6204"/>
-                  </a:lnTo>
-                  <a:lnTo>
-                    <a:pt x="10259" y="5691"/>
-                  </a:lnTo>
-                  <a:lnTo>
-                    <a:pt x="10283" y="5423"/>
-                  </a:lnTo>
-                  <a:lnTo>
-                    <a:pt x="10307" y="5154"/>
-                  </a:lnTo>
-                  <a:lnTo>
-                    <a:pt x="10259" y="4617"/>
-                  </a:lnTo>
-                  <a:lnTo>
-                    <a:pt x="10185" y="4104"/>
-                  </a:lnTo>
-                  <a:lnTo>
-                    <a:pt x="10063" y="3615"/>
-                  </a:lnTo>
-                  <a:lnTo>
-                    <a:pt x="9892" y="3151"/>
-                  </a:lnTo>
-                  <a:lnTo>
-                    <a:pt x="9672" y="2687"/>
-                  </a:lnTo>
-                  <a:lnTo>
-                    <a:pt x="9428" y="2272"/>
-                  </a:lnTo>
-                  <a:lnTo>
-                    <a:pt x="9111" y="1881"/>
-                  </a:lnTo>
-                  <a:lnTo>
-                    <a:pt x="8793" y="1515"/>
-                  </a:lnTo>
-                  <a:lnTo>
-                    <a:pt x="8427" y="1173"/>
-                  </a:lnTo>
-                  <a:lnTo>
-                    <a:pt x="8036" y="880"/>
-                  </a:lnTo>
-                  <a:lnTo>
-                    <a:pt x="7596" y="636"/>
-                  </a:lnTo>
-                  <a:lnTo>
-                    <a:pt x="7157" y="416"/>
-                  </a:lnTo>
-                  <a:lnTo>
-                    <a:pt x="6693" y="245"/>
-                  </a:lnTo>
-                  <a:lnTo>
-                    <a:pt x="6180" y="98"/>
-                  </a:lnTo>
-                  <a:lnTo>
-                    <a:pt x="5691" y="25"/>
-                  </a:lnTo>
-                  <a:lnTo>
-                    <a:pt x="5154" y="1"/>
-                  </a:lnTo>
-                  <a:close/>
-                </a:path>
-              </a:pathLst>
-            </a:custGeom>
-            <a:solidFill>
-              <a:srgbClr val="FF9E00"/>
-            </a:solidFill>
-            <a:ln>
-              <a:noFill/>
-            </a:ln>
-          </p:spPr>
-          <p:txBody>
-            <a:bodyPr spcFirstLastPara="1" wrap="square" lIns="91425" tIns="91425" rIns="91425" bIns="91425" anchor="ctr" anchorCtr="0">
-              <a:noAutofit/>
-            </a:bodyPr>
-            <a:lstStyle/>
-            <a:p>
-              <a:pPr marL="0" lvl="0" indent="0" algn="l" rtl="0">
-                <a:spcBef>
-                  <a:spcPts val="0"/>
-                </a:spcBef>
-                <a:spcAft>
-                  <a:spcPts val="0"/>
-                </a:spcAft>
-                <a:buNone/>
-              </a:pPr>
-              <a:endParaRPr>
-                <a:solidFill>
-                  <a:srgbClr val="FFFFFF"/>
-                </a:solidFill>
-              </a:endParaRPr>
-            </a:p>
-          </p:txBody>
-        </p:sp>
-      </p:grpSp>
-    </p:spTree>
-    <p:extLst>
-      <p:ext uri="{BB962C8B-B14F-4D97-AF65-F5344CB8AC3E}">
-        <p14:creationId xmlns:p14="http://schemas.microsoft.com/office/powerpoint/2010/main" val="2620241389"/>
-      </p:ext>
-    </p:extLst>
-  </p:cSld>
-  <p:clrMapOvr>
-    <a:masterClrMapping/>
-  </p:clrMapOvr>
-</p:sld>
-</file>
-
-<file path=ppt/slides/slide21.xml><?xml version="1.0" encoding="utf-8"?>
-<p:sld xmlns:a="http://schemas.openxmlformats.org/drawingml/2006/main" xmlns:r="http://schemas.openxmlformats.org/officeDocument/2006/relationships" xmlns:p="http://schemas.openxmlformats.org/presentationml/2006/main">
-  <p:cSld>
     <p:bg>
       <p:bgPr>
         <a:solidFill>
@@ -32101,7 +31492,7 @@
           <p:cNvPr id="7" name="직사각형 42">
             <a:extLst>
               <a:ext uri="{FF2B5EF4-FFF2-40B4-BE49-F238E27FC236}">
-                <a16:creationId xmlns:a16="http://schemas.microsoft.com/office/drawing/2014/main" xmlns="" id="{8B732A0B-8794-4D6F-8FB1-2A615F6491AF}"/>
+                <a16:creationId xmlns="" xmlns:a16="http://schemas.microsoft.com/office/drawing/2014/main" id="{8B732A0B-8794-4D6F-8FB1-2A615F6491AF}"/>
               </a:ext>
             </a:extLst>
           </p:cNvPr>
@@ -32175,7 +31566,7 @@
           <p:cNvPr id="8" name="직사각형 42">
             <a:extLst>
               <a:ext uri="{FF2B5EF4-FFF2-40B4-BE49-F238E27FC236}">
-                <a16:creationId xmlns:a16="http://schemas.microsoft.com/office/drawing/2014/main" xmlns="" id="{9BD0AFB8-07AD-46B3-8A8C-8F5626B992D4}"/>
+                <a16:creationId xmlns="" xmlns:a16="http://schemas.microsoft.com/office/drawing/2014/main" id="{9BD0AFB8-07AD-46B3-8A8C-8F5626B992D4}"/>
               </a:ext>
             </a:extLst>
           </p:cNvPr>
@@ -32249,7 +31640,7 @@
           <p:cNvPr id="10" name="직사각형 42">
             <a:extLst>
               <a:ext uri="{FF2B5EF4-FFF2-40B4-BE49-F238E27FC236}">
-                <a16:creationId xmlns:a16="http://schemas.microsoft.com/office/drawing/2014/main" xmlns="" id="{659B2C0F-8D66-437F-9A45-126C41D32DED}"/>
+                <a16:creationId xmlns="" xmlns:a16="http://schemas.microsoft.com/office/drawing/2014/main" id="{659B2C0F-8D66-437F-9A45-126C41D32DED}"/>
               </a:ext>
             </a:extLst>
           </p:cNvPr>
@@ -32290,16 +31681,6 @@
               </a:rPr>
               <a:t>-----</a:t>
             </a:r>
-            <a:endParaRPr lang="en-US" altLang="ko-KR" sz="1500" dirty="0" smtClean="0">
-              <a:solidFill>
-                <a:schemeClr val="tx1">
-                  <a:lumMod val="75000"/>
-                  <a:lumOff val="25000"/>
-                </a:schemeClr>
-              </a:solidFill>
-              <a:latin typeface="나눔바른고딕" pitchFamily="50" charset="-127"/>
-              <a:ea typeface="나눔바른고딕" pitchFamily="50" charset="-127"/>
-            </a:endParaRPr>
           </a:p>
         </p:txBody>
       </p:sp>
@@ -32308,7 +31689,7 @@
           <p:cNvPr id="11" name="직사각형 42">
             <a:extLst>
               <a:ext uri="{FF2B5EF4-FFF2-40B4-BE49-F238E27FC236}">
-                <a16:creationId xmlns:a16="http://schemas.microsoft.com/office/drawing/2014/main" xmlns="" id="{EABD93CA-FE0D-4A80-AA49-00998EFFE9CD}"/>
+                <a16:creationId xmlns="" xmlns:a16="http://schemas.microsoft.com/office/drawing/2014/main" id="{EABD93CA-FE0D-4A80-AA49-00998EFFE9CD}"/>
               </a:ext>
             </a:extLst>
           </p:cNvPr>
@@ -32375,7 +31756,7 @@
 </p:sld>
 </file>
 
-<file path=ppt/slides/slide22.xml><?xml version="1.0" encoding="utf-8"?>
+<file path=ppt/slides/slide21.xml><?xml version="1.0" encoding="utf-8"?>
 <p:sld xmlns:a="http://schemas.openxmlformats.org/drawingml/2006/main" xmlns:r="http://schemas.openxmlformats.org/officeDocument/2006/relationships" xmlns:p="http://schemas.openxmlformats.org/presentationml/2006/main">
   <p:cSld>
     <p:bg>
@@ -32790,21 +32171,21 @@
                 <a:gridCol w="1512168">
                   <a:extLst>
                     <a:ext uri="{9D8B030D-6E8A-4147-A177-3AD203B41FA5}">
-                      <a16:colId xmlns:a16="http://schemas.microsoft.com/office/drawing/2014/main" xmlns="" val="20000"/>
+                      <a16:colId xmlns="" xmlns:a16="http://schemas.microsoft.com/office/drawing/2014/main" val="20000"/>
                     </a:ext>
                   </a:extLst>
                 </a:gridCol>
                 <a:gridCol w="3312368">
                   <a:extLst>
                     <a:ext uri="{9D8B030D-6E8A-4147-A177-3AD203B41FA5}">
-                      <a16:colId xmlns:a16="http://schemas.microsoft.com/office/drawing/2014/main" xmlns="" val="20001"/>
+                      <a16:colId xmlns="" xmlns:a16="http://schemas.microsoft.com/office/drawing/2014/main" val="20001"/>
                     </a:ext>
                   </a:extLst>
                 </a:gridCol>
                 <a:gridCol w="3744416">
                   <a:extLst>
                     <a:ext uri="{9D8B030D-6E8A-4147-A177-3AD203B41FA5}">
-                      <a16:colId xmlns:a16="http://schemas.microsoft.com/office/drawing/2014/main" xmlns="" val="20002"/>
+                      <a16:colId xmlns="" xmlns:a16="http://schemas.microsoft.com/office/drawing/2014/main" val="20002"/>
                     </a:ext>
                   </a:extLst>
                 </a:gridCol>
@@ -32854,7 +32235,7 @@
                 </a:tc>
                 <a:extLst>
                   <a:ext uri="{0D108BD9-81ED-4DB2-BD59-A6C34878D82A}">
-                    <a16:rowId xmlns:a16="http://schemas.microsoft.com/office/drawing/2014/main" xmlns="" val="10000"/>
+                    <a16:rowId xmlns="" xmlns:a16="http://schemas.microsoft.com/office/drawing/2014/main" val="10000"/>
                   </a:ext>
                 </a:extLst>
               </a:tr>
@@ -33019,7 +32400,7 @@
                 </a:tc>
                 <a:extLst>
                   <a:ext uri="{0D108BD9-81ED-4DB2-BD59-A6C34878D82A}">
-                    <a16:rowId xmlns:a16="http://schemas.microsoft.com/office/drawing/2014/main" xmlns="" val="10001"/>
+                    <a16:rowId xmlns="" xmlns:a16="http://schemas.microsoft.com/office/drawing/2014/main" val="10001"/>
                   </a:ext>
                 </a:extLst>
               </a:tr>
@@ -33096,7 +32477,7 @@
                 </a:tc>
                 <a:extLst>
                   <a:ext uri="{0D108BD9-81ED-4DB2-BD59-A6C34878D82A}">
-                    <a16:rowId xmlns:a16="http://schemas.microsoft.com/office/drawing/2014/main" xmlns="" val="10002"/>
+                    <a16:rowId xmlns="" xmlns:a16="http://schemas.microsoft.com/office/drawing/2014/main" val="10002"/>
                   </a:ext>
                 </a:extLst>
               </a:tr>
@@ -33268,7 +32649,7 @@
                 </a:tc>
                 <a:extLst>
                   <a:ext uri="{0D108BD9-81ED-4DB2-BD59-A6C34878D82A}">
-                    <a16:rowId xmlns:a16="http://schemas.microsoft.com/office/drawing/2014/main" xmlns="" val="10003"/>
+                    <a16:rowId xmlns="" xmlns:a16="http://schemas.microsoft.com/office/drawing/2014/main" val="10003"/>
                   </a:ext>
                 </a:extLst>
               </a:tr>
@@ -33440,7 +32821,7 @@
                 </a:tc>
                 <a:extLst>
                   <a:ext uri="{0D108BD9-81ED-4DB2-BD59-A6C34878D82A}">
-                    <a16:rowId xmlns:a16="http://schemas.microsoft.com/office/drawing/2014/main" xmlns="" val="10004"/>
+                    <a16:rowId xmlns="" xmlns:a16="http://schemas.microsoft.com/office/drawing/2014/main" val="10004"/>
                   </a:ext>
                 </a:extLst>
               </a:tr>
@@ -33598,7 +32979,7 @@
                 </a:tc>
                 <a:extLst>
                   <a:ext uri="{0D108BD9-81ED-4DB2-BD59-A6C34878D82A}">
-                    <a16:rowId xmlns:a16="http://schemas.microsoft.com/office/drawing/2014/main" xmlns="" val="10005"/>
+                    <a16:rowId xmlns="" xmlns:a16="http://schemas.microsoft.com/office/drawing/2014/main" val="10005"/>
                   </a:ext>
                 </a:extLst>
               </a:tr>
@@ -33717,7 +33098,7 @@
                 </a:tc>
                 <a:extLst>
                   <a:ext uri="{0D108BD9-81ED-4DB2-BD59-A6C34878D82A}">
-                    <a16:rowId xmlns:a16="http://schemas.microsoft.com/office/drawing/2014/main" xmlns="" val="10006"/>
+                    <a16:rowId xmlns="" xmlns:a16="http://schemas.microsoft.com/office/drawing/2014/main" val="10006"/>
                   </a:ext>
                 </a:extLst>
               </a:tr>
@@ -33815,7 +33196,7 @@
                 </a:tc>
                 <a:extLst>
                   <a:ext uri="{0D108BD9-81ED-4DB2-BD59-A6C34878D82A}">
-                    <a16:rowId xmlns:a16="http://schemas.microsoft.com/office/drawing/2014/main" xmlns="" val="10007"/>
+                    <a16:rowId xmlns="" xmlns:a16="http://schemas.microsoft.com/office/drawing/2014/main" val="10007"/>
                   </a:ext>
                 </a:extLst>
               </a:tr>
@@ -33878,7 +33259,7 @@
                 </a:tc>
                 <a:extLst>
                   <a:ext uri="{0D108BD9-81ED-4DB2-BD59-A6C34878D82A}">
-                    <a16:rowId xmlns:a16="http://schemas.microsoft.com/office/drawing/2014/main" xmlns="" val="10008"/>
+                    <a16:rowId xmlns="" xmlns:a16="http://schemas.microsoft.com/office/drawing/2014/main" val="10008"/>
                   </a:ext>
                 </a:extLst>
               </a:tr>
@@ -33937,7 +33318,7 @@
                 </a:tc>
                 <a:extLst>
                   <a:ext uri="{0D108BD9-81ED-4DB2-BD59-A6C34878D82A}">
-                    <a16:rowId xmlns:a16="http://schemas.microsoft.com/office/drawing/2014/main" xmlns="" val="10009"/>
+                    <a16:rowId xmlns="" xmlns:a16="http://schemas.microsoft.com/office/drawing/2014/main" val="10009"/>
                   </a:ext>
                 </a:extLst>
               </a:tr>
@@ -34028,7 +33409,7 @@
                 </a:tc>
                 <a:extLst>
                   <a:ext uri="{0D108BD9-81ED-4DB2-BD59-A6C34878D82A}">
-                    <a16:rowId xmlns:a16="http://schemas.microsoft.com/office/drawing/2014/main" xmlns="" val="10010"/>
+                    <a16:rowId xmlns="" xmlns:a16="http://schemas.microsoft.com/office/drawing/2014/main" val="10010"/>
                   </a:ext>
                 </a:extLst>
               </a:tr>
@@ -34080,7 +33461,7 @@
                 </a:tc>
                 <a:extLst>
                   <a:ext uri="{0D108BD9-81ED-4DB2-BD59-A6C34878D82A}">
-                    <a16:rowId xmlns:a16="http://schemas.microsoft.com/office/drawing/2014/main" xmlns="" val="10011"/>
+                    <a16:rowId xmlns="" xmlns:a16="http://schemas.microsoft.com/office/drawing/2014/main" val="10011"/>
                   </a:ext>
                 </a:extLst>
               </a:tr>
@@ -34101,7 +33482,7 @@
 </p:sld>
 </file>
 
-<file path=ppt/slides/slide23.xml><?xml version="1.0" encoding="utf-8"?>
+<file path=ppt/slides/slide22.xml><?xml version="1.0" encoding="utf-8"?>
 <p:sld xmlns:a="http://schemas.openxmlformats.org/drawingml/2006/main" xmlns:r="http://schemas.openxmlformats.org/officeDocument/2006/relationships" xmlns:p="http://schemas.openxmlformats.org/presentationml/2006/main">
   <p:cSld>
     <p:spTree>
@@ -34508,21 +33889,21 @@
                 <a:gridCol w="1512168">
                   <a:extLst>
                     <a:ext uri="{9D8B030D-6E8A-4147-A177-3AD203B41FA5}">
-                      <a16:colId xmlns:a16="http://schemas.microsoft.com/office/drawing/2014/main" xmlns="" val="20000"/>
+                      <a16:colId xmlns="" xmlns:a16="http://schemas.microsoft.com/office/drawing/2014/main" val="20000"/>
                     </a:ext>
                   </a:extLst>
                 </a:gridCol>
                 <a:gridCol w="3528392">
                   <a:extLst>
                     <a:ext uri="{9D8B030D-6E8A-4147-A177-3AD203B41FA5}">
-                      <a16:colId xmlns:a16="http://schemas.microsoft.com/office/drawing/2014/main" xmlns="" val="20001"/>
+                      <a16:colId xmlns="" xmlns:a16="http://schemas.microsoft.com/office/drawing/2014/main" val="20001"/>
                     </a:ext>
                   </a:extLst>
                 </a:gridCol>
                 <a:gridCol w="3528392">
                   <a:extLst>
                     <a:ext uri="{9D8B030D-6E8A-4147-A177-3AD203B41FA5}">
-                      <a16:colId xmlns:a16="http://schemas.microsoft.com/office/drawing/2014/main" xmlns="" val="20002"/>
+                      <a16:colId xmlns="" xmlns:a16="http://schemas.microsoft.com/office/drawing/2014/main" val="20002"/>
                     </a:ext>
                   </a:extLst>
                 </a:gridCol>
@@ -34614,7 +33995,7 @@
                 </a:tc>
                 <a:extLst>
                   <a:ext uri="{0D108BD9-81ED-4DB2-BD59-A6C34878D82A}">
-                    <a16:rowId xmlns:a16="http://schemas.microsoft.com/office/drawing/2014/main" xmlns="" val="10000"/>
+                    <a16:rowId xmlns="" xmlns:a16="http://schemas.microsoft.com/office/drawing/2014/main" val="10000"/>
                   </a:ext>
                 </a:extLst>
               </a:tr>
@@ -34685,7 +34066,7 @@
                 </a:tc>
                 <a:extLst>
                   <a:ext uri="{0D108BD9-81ED-4DB2-BD59-A6C34878D82A}">
-                    <a16:rowId xmlns:a16="http://schemas.microsoft.com/office/drawing/2014/main" xmlns="" val="10001"/>
+                    <a16:rowId xmlns="" xmlns:a16="http://schemas.microsoft.com/office/drawing/2014/main" val="10001"/>
                   </a:ext>
                 </a:extLst>
               </a:tr>
@@ -34756,7 +34137,7 @@
                 </a:tc>
                 <a:extLst>
                   <a:ext uri="{0D108BD9-81ED-4DB2-BD59-A6C34878D82A}">
-                    <a16:rowId xmlns:a16="http://schemas.microsoft.com/office/drawing/2014/main" xmlns="" val="10002"/>
+                    <a16:rowId xmlns="" xmlns:a16="http://schemas.microsoft.com/office/drawing/2014/main" val="10002"/>
                   </a:ext>
                 </a:extLst>
               </a:tr>
@@ -34881,7 +34262,7 @@
                 </a:tc>
                 <a:extLst>
                   <a:ext uri="{0D108BD9-81ED-4DB2-BD59-A6C34878D82A}">
-                    <a16:rowId xmlns:a16="http://schemas.microsoft.com/office/drawing/2014/main" xmlns="" val="10003"/>
+                    <a16:rowId xmlns="" xmlns:a16="http://schemas.microsoft.com/office/drawing/2014/main" val="10003"/>
                   </a:ext>
                 </a:extLst>
               </a:tr>
@@ -35006,7 +34387,7 @@
                 </a:tc>
                 <a:extLst>
                   <a:ext uri="{0D108BD9-81ED-4DB2-BD59-A6C34878D82A}">
-                    <a16:rowId xmlns:a16="http://schemas.microsoft.com/office/drawing/2014/main" xmlns="" val="10004"/>
+                    <a16:rowId xmlns="" xmlns:a16="http://schemas.microsoft.com/office/drawing/2014/main" val="10004"/>
                   </a:ext>
                 </a:extLst>
               </a:tr>
@@ -35095,7 +34476,7 @@
                 </a:tc>
                 <a:extLst>
                   <a:ext uri="{0D108BD9-81ED-4DB2-BD59-A6C34878D82A}">
-                    <a16:rowId xmlns:a16="http://schemas.microsoft.com/office/drawing/2014/main" xmlns="" val="10005"/>
+                    <a16:rowId xmlns="" xmlns:a16="http://schemas.microsoft.com/office/drawing/2014/main" val="10005"/>
                   </a:ext>
                 </a:extLst>
               </a:tr>
@@ -35166,7 +34547,7 @@
                 </a:tc>
                 <a:extLst>
                   <a:ext uri="{0D108BD9-81ED-4DB2-BD59-A6C34878D82A}">
-                    <a16:rowId xmlns:a16="http://schemas.microsoft.com/office/drawing/2014/main" xmlns="" val="10006"/>
+                    <a16:rowId xmlns="" xmlns:a16="http://schemas.microsoft.com/office/drawing/2014/main" val="10006"/>
                   </a:ext>
                 </a:extLst>
               </a:tr>
@@ -35251,7 +34632,7 @@
                 </a:tc>
                 <a:extLst>
                   <a:ext uri="{0D108BD9-81ED-4DB2-BD59-A6C34878D82A}">
-                    <a16:rowId xmlns:a16="http://schemas.microsoft.com/office/drawing/2014/main" xmlns="" val="10007"/>
+                    <a16:rowId xmlns="" xmlns:a16="http://schemas.microsoft.com/office/drawing/2014/main" val="10007"/>
                   </a:ext>
                 </a:extLst>
               </a:tr>
@@ -35326,7 +34707,7 @@
                 </a:tc>
                 <a:extLst>
                   <a:ext uri="{0D108BD9-81ED-4DB2-BD59-A6C34878D82A}">
-                    <a16:rowId xmlns:a16="http://schemas.microsoft.com/office/drawing/2014/main" xmlns="" val="10008"/>
+                    <a16:rowId xmlns="" xmlns:a16="http://schemas.microsoft.com/office/drawing/2014/main" val="10008"/>
                   </a:ext>
                 </a:extLst>
               </a:tr>
@@ -35401,7 +34782,7 @@
                 </a:tc>
                 <a:extLst>
                   <a:ext uri="{0D108BD9-81ED-4DB2-BD59-A6C34878D82A}">
-                    <a16:rowId xmlns:a16="http://schemas.microsoft.com/office/drawing/2014/main" xmlns="" val="10009"/>
+                    <a16:rowId xmlns="" xmlns:a16="http://schemas.microsoft.com/office/drawing/2014/main" val="10009"/>
                   </a:ext>
                 </a:extLst>
               </a:tr>
@@ -35479,7 +34860,7 @@
                 </a:tc>
                 <a:extLst>
                   <a:ext uri="{0D108BD9-81ED-4DB2-BD59-A6C34878D82A}">
-                    <a16:rowId xmlns:a16="http://schemas.microsoft.com/office/drawing/2014/main" xmlns="" val="10010"/>
+                    <a16:rowId xmlns="" xmlns:a16="http://schemas.microsoft.com/office/drawing/2014/main" val="10010"/>
                   </a:ext>
                 </a:extLst>
               </a:tr>
@@ -35557,7 +34938,7 @@
                 </a:tc>
                 <a:extLst>
                   <a:ext uri="{0D108BD9-81ED-4DB2-BD59-A6C34878D82A}">
-                    <a16:rowId xmlns:a16="http://schemas.microsoft.com/office/drawing/2014/main" xmlns="" val="10011"/>
+                    <a16:rowId xmlns="" xmlns:a16="http://schemas.microsoft.com/office/drawing/2014/main" val="10011"/>
                   </a:ext>
                 </a:extLst>
               </a:tr>
@@ -35628,7 +35009,7 @@
                 </a:tc>
                 <a:extLst>
                   <a:ext uri="{0D108BD9-81ED-4DB2-BD59-A6C34878D82A}">
-                    <a16:rowId xmlns:a16="http://schemas.microsoft.com/office/drawing/2014/main" xmlns="" val="10012"/>
+                    <a16:rowId xmlns="" xmlns:a16="http://schemas.microsoft.com/office/drawing/2014/main" val="10012"/>
                   </a:ext>
                 </a:extLst>
               </a:tr>
@@ -35703,7 +35084,7 @@
                 </a:tc>
                 <a:extLst>
                   <a:ext uri="{0D108BD9-81ED-4DB2-BD59-A6C34878D82A}">
-                    <a16:rowId xmlns:a16="http://schemas.microsoft.com/office/drawing/2014/main" xmlns="" val="10013"/>
+                    <a16:rowId xmlns="" xmlns:a16="http://schemas.microsoft.com/office/drawing/2014/main" val="10013"/>
                   </a:ext>
                 </a:extLst>
               </a:tr>
@@ -35774,7 +35155,7 @@
                 </a:tc>
                 <a:extLst>
                   <a:ext uri="{0D108BD9-81ED-4DB2-BD59-A6C34878D82A}">
-                    <a16:rowId xmlns:a16="http://schemas.microsoft.com/office/drawing/2014/main" xmlns="" val="10014"/>
+                    <a16:rowId xmlns="" xmlns:a16="http://schemas.microsoft.com/office/drawing/2014/main" val="10014"/>
                   </a:ext>
                 </a:extLst>
               </a:tr>
@@ -35849,7 +35230,7 @@
                 </a:tc>
                 <a:extLst>
                   <a:ext uri="{0D108BD9-81ED-4DB2-BD59-A6C34878D82A}">
-                    <a16:rowId xmlns:a16="http://schemas.microsoft.com/office/drawing/2014/main" xmlns="" val="10015"/>
+                    <a16:rowId xmlns="" xmlns:a16="http://schemas.microsoft.com/office/drawing/2014/main" val="10015"/>
                   </a:ext>
                 </a:extLst>
               </a:tr>
@@ -43388,21 +42769,21 @@
                 <a:gridCol w="2936450">
                   <a:extLst>
                     <a:ext uri="{9D8B030D-6E8A-4147-A177-3AD203B41FA5}">
-                      <a16:colId xmlns:a16="http://schemas.microsoft.com/office/drawing/2014/main" xmlns="" val="20001"/>
+                      <a16:colId xmlns="" xmlns:a16="http://schemas.microsoft.com/office/drawing/2014/main" val="20001"/>
                     </a:ext>
                   </a:extLst>
                 </a:gridCol>
                 <a:gridCol w="1728192">
                   <a:extLst>
                     <a:ext uri="{9D8B030D-6E8A-4147-A177-3AD203B41FA5}">
-                      <a16:colId xmlns:a16="http://schemas.microsoft.com/office/drawing/2014/main" xmlns="" val="20002"/>
+                      <a16:colId xmlns="" xmlns:a16="http://schemas.microsoft.com/office/drawing/2014/main" val="20002"/>
                     </a:ext>
                   </a:extLst>
                 </a:gridCol>
                 <a:gridCol w="1005396">
                   <a:extLst>
                     <a:ext uri="{9D8B030D-6E8A-4147-A177-3AD203B41FA5}">
-                      <a16:colId xmlns:a16="http://schemas.microsoft.com/office/drawing/2014/main" xmlns="" val="20003"/>
+                      <a16:colId xmlns="" xmlns:a16="http://schemas.microsoft.com/office/drawing/2014/main" val="20003"/>
                     </a:ext>
                   </a:extLst>
                 </a:gridCol>
@@ -43598,7 +42979,7 @@
                 </a:tc>
                 <a:extLst>
                   <a:ext uri="{0D108BD9-81ED-4DB2-BD59-A6C34878D82A}">
-                    <a16:rowId xmlns:a16="http://schemas.microsoft.com/office/drawing/2014/main" xmlns="" val="10000"/>
+                    <a16:rowId xmlns="" xmlns:a16="http://schemas.microsoft.com/office/drawing/2014/main" val="10000"/>
                   </a:ext>
                 </a:extLst>
               </a:tr>
@@ -43740,7 +43121,7 @@
                 </a:tc>
                 <a:extLst>
                   <a:ext uri="{0D108BD9-81ED-4DB2-BD59-A6C34878D82A}">
-                    <a16:rowId xmlns:a16="http://schemas.microsoft.com/office/drawing/2014/main" xmlns="" val="10001"/>
+                    <a16:rowId xmlns="" xmlns:a16="http://schemas.microsoft.com/office/drawing/2014/main" val="10001"/>
                   </a:ext>
                 </a:extLst>
               </a:tr>
@@ -43825,7 +43206,7 @@
                 </a:tc>
                 <a:extLst>
                   <a:ext uri="{0D108BD9-81ED-4DB2-BD59-A6C34878D82A}">
-                    <a16:rowId xmlns:a16="http://schemas.microsoft.com/office/drawing/2014/main" xmlns="" val="10002"/>
+                    <a16:rowId xmlns="" xmlns:a16="http://schemas.microsoft.com/office/drawing/2014/main" val="10002"/>
                   </a:ext>
                 </a:extLst>
               </a:tr>
@@ -43914,7 +43295,7 @@
                 </a:tc>
                 <a:extLst>
                   <a:ext uri="{0D108BD9-81ED-4DB2-BD59-A6C34878D82A}">
-                    <a16:rowId xmlns:a16="http://schemas.microsoft.com/office/drawing/2014/main" xmlns="" val="10003"/>
+                    <a16:rowId xmlns="" xmlns:a16="http://schemas.microsoft.com/office/drawing/2014/main" val="10003"/>
                   </a:ext>
                 </a:extLst>
               </a:tr>
@@ -44011,7 +43392,7 @@
                 </a:tc>
                 <a:extLst>
                   <a:ext uri="{0D108BD9-81ED-4DB2-BD59-A6C34878D82A}">
-                    <a16:rowId xmlns:a16="http://schemas.microsoft.com/office/drawing/2014/main" xmlns="" val="10004"/>
+                    <a16:rowId xmlns="" xmlns:a16="http://schemas.microsoft.com/office/drawing/2014/main" val="10004"/>
                   </a:ext>
                 </a:extLst>
               </a:tr>
@@ -44111,7 +43492,7 @@
                 </a:tc>
                 <a:extLst>
                   <a:ext uri="{0D108BD9-81ED-4DB2-BD59-A6C34878D82A}">
-                    <a16:rowId xmlns:a16="http://schemas.microsoft.com/office/drawing/2014/main" xmlns="" val="10005"/>
+                    <a16:rowId xmlns="" xmlns:a16="http://schemas.microsoft.com/office/drawing/2014/main" val="10005"/>
                   </a:ext>
                 </a:extLst>
               </a:tr>
@@ -44208,7 +43589,7 @@
                 </a:tc>
                 <a:extLst>
                   <a:ext uri="{0D108BD9-81ED-4DB2-BD59-A6C34878D82A}">
-                    <a16:rowId xmlns:a16="http://schemas.microsoft.com/office/drawing/2014/main" xmlns="" val="10006"/>
+                    <a16:rowId xmlns="" xmlns:a16="http://schemas.microsoft.com/office/drawing/2014/main" val="10006"/>
                   </a:ext>
                 </a:extLst>
               </a:tr>
@@ -44302,7 +43683,7 @@
                 </a:tc>
                 <a:extLst>
                   <a:ext uri="{0D108BD9-81ED-4DB2-BD59-A6C34878D82A}">
-                    <a16:rowId xmlns:a16="http://schemas.microsoft.com/office/drawing/2014/main" xmlns="" val="10007"/>
+                    <a16:rowId xmlns="" xmlns:a16="http://schemas.microsoft.com/office/drawing/2014/main" val="10007"/>
                   </a:ext>
                 </a:extLst>
               </a:tr>
@@ -44425,7 +43806,7 @@
                 </a:tc>
                 <a:extLst>
                   <a:ext uri="{0D108BD9-81ED-4DB2-BD59-A6C34878D82A}">
-                    <a16:rowId xmlns:a16="http://schemas.microsoft.com/office/drawing/2014/main" xmlns="" val="10008"/>
+                    <a16:rowId xmlns="" xmlns:a16="http://schemas.microsoft.com/office/drawing/2014/main" val="10008"/>
                   </a:ext>
                 </a:extLst>
               </a:tr>
@@ -44510,7 +43891,7 @@
                 </a:tc>
                 <a:extLst>
                   <a:ext uri="{0D108BD9-81ED-4DB2-BD59-A6C34878D82A}">
-                    <a16:rowId xmlns:a16="http://schemas.microsoft.com/office/drawing/2014/main" xmlns="" val="1324333913"/>
+                    <a16:rowId xmlns="" xmlns:a16="http://schemas.microsoft.com/office/drawing/2014/main" val="1324333913"/>
                   </a:ext>
                 </a:extLst>
               </a:tr>
@@ -44599,7 +43980,7 @@
                 </a:tc>
                 <a:extLst>
                   <a:ext uri="{0D108BD9-81ED-4DB2-BD59-A6C34878D82A}">
-                    <a16:rowId xmlns:a16="http://schemas.microsoft.com/office/drawing/2014/main" xmlns="" val="1727322289"/>
+                    <a16:rowId xmlns="" xmlns:a16="http://schemas.microsoft.com/office/drawing/2014/main" val="1727322289"/>
                   </a:ext>
                 </a:extLst>
               </a:tr>
@@ -44688,7 +44069,7 @@
                 </a:tc>
                 <a:extLst>
                   <a:ext uri="{0D108BD9-81ED-4DB2-BD59-A6C34878D82A}">
-                    <a16:rowId xmlns:a16="http://schemas.microsoft.com/office/drawing/2014/main" xmlns="" val="1732334936"/>
+                    <a16:rowId xmlns="" xmlns:a16="http://schemas.microsoft.com/office/drawing/2014/main" val="1732334936"/>
                   </a:ext>
                 </a:extLst>
               </a:tr>
@@ -44788,7 +44169,7 @@
                 </a:tc>
                 <a:extLst>
                   <a:ext uri="{0D108BD9-81ED-4DB2-BD59-A6C34878D82A}">
-                    <a16:rowId xmlns:a16="http://schemas.microsoft.com/office/drawing/2014/main" xmlns="" val="3887831580"/>
+                    <a16:rowId xmlns="" xmlns:a16="http://schemas.microsoft.com/office/drawing/2014/main" val="3887831580"/>
                   </a:ext>
                 </a:extLst>
               </a:tr>
@@ -44877,7 +44258,7 @@
                 </a:tc>
                 <a:extLst>
                   <a:ext uri="{0D108BD9-81ED-4DB2-BD59-A6C34878D82A}">
-                    <a16:rowId xmlns:a16="http://schemas.microsoft.com/office/drawing/2014/main" xmlns="" val="2397129623"/>
+                    <a16:rowId xmlns="" xmlns:a16="http://schemas.microsoft.com/office/drawing/2014/main" val="2397129623"/>
                   </a:ext>
                 </a:extLst>
               </a:tr>
@@ -44957,17 +44338,7 @@
                 <a:latin typeface="나눔바른고딕" panose="020B0603020101020101" pitchFamily="50" charset="-127"/>
                 <a:ea typeface="나눔바른고딕" panose="020B0603020101020101" pitchFamily="50" charset="-127"/>
               </a:rPr>
-              <a:t>4</a:t>
-            </a:r>
-            <a:r>
-              <a:rPr lang="en-US" altLang="ko-KR" sz="4000" dirty="0" smtClean="0">
-                <a:solidFill>
-                  <a:srgbClr val="FF9E00"/>
-                </a:solidFill>
-                <a:latin typeface="나눔바른고딕" panose="020B0603020101020101" pitchFamily="50" charset="-127"/>
-                <a:ea typeface="나눔바른고딕" panose="020B0603020101020101" pitchFamily="50" charset="-127"/>
-              </a:rPr>
-              <a:t>. </a:t>
+              <a:t>4. </a:t>
             </a:r>
             <a:r>
               <a:rPr lang="ko-KR" altLang="en-US" sz="4000" dirty="0" err="1" smtClean="0">
@@ -45685,7 +45056,7 @@
             <p:cNvPr id="9" name="Google Shape;102;p13">
               <a:extLst>
                 <a:ext uri="{FF2B5EF4-FFF2-40B4-BE49-F238E27FC236}">
-                  <a16:creationId xmlns:a16="http://schemas.microsoft.com/office/drawing/2014/main" xmlns="" id="{D4EAD755-BB98-41D1-9C16-8CC51AD0D492}"/>
+                  <a16:creationId xmlns="" xmlns:a16="http://schemas.microsoft.com/office/drawing/2014/main" id="{D4EAD755-BB98-41D1-9C16-8CC51AD0D492}"/>
                 </a:ext>
               </a:extLst>
             </p:cNvPr>
@@ -45739,7 +45110,7 @@
             <p:cNvPr id="10" name="Google Shape;102;p13">
               <a:extLst>
                 <a:ext uri="{FF2B5EF4-FFF2-40B4-BE49-F238E27FC236}">
-                  <a16:creationId xmlns:a16="http://schemas.microsoft.com/office/drawing/2014/main" xmlns="" id="{C704DD7E-8B1F-4B5A-832E-6B178666BEB8}"/>
+                  <a16:creationId xmlns="" xmlns:a16="http://schemas.microsoft.com/office/drawing/2014/main" id="{C704DD7E-8B1F-4B5A-832E-6B178666BEB8}"/>
                 </a:ext>
               </a:extLst>
             </p:cNvPr>
@@ -45802,7 +45173,7 @@
             <p:cNvPr id="11" name="Google Shape;102;p13">
               <a:extLst>
                 <a:ext uri="{FF2B5EF4-FFF2-40B4-BE49-F238E27FC236}">
-                  <a16:creationId xmlns:a16="http://schemas.microsoft.com/office/drawing/2014/main" xmlns="" id="{C704DD7E-8B1F-4B5A-832E-6B178666BEB8}"/>
+                  <a16:creationId xmlns="" xmlns:a16="http://schemas.microsoft.com/office/drawing/2014/main" id="{C704DD7E-8B1F-4B5A-832E-6B178666BEB8}"/>
                 </a:ext>
               </a:extLst>
             </p:cNvPr>
